--- a/tests/testresults/script_IQSlidedeck_IQobjects.pptx
+++ b/tests/testresults/script_IQSlidedeck_IQobjects.pptx
@@ -287,7 +287,7 @@
           <a:p>
             <a:fld id="{7B272C57-2FA0-4A9D-99A4-6F756B65018B}" type="datetimeFigureOut">
               <a:rPr lang="en-US" smtClean="0"/>
-              <a:t>11/8/2019</a:t>
+              <a:t>4/23/2020</a:t>
             </a:fld>
             <a:endParaRPr lang="en-US"/>
           </a:p>
@@ -444,7 +444,7 @@
           <a:p>
             <a:fld id="{7B272C57-2FA0-4A9D-99A4-6F756B65018B}" type="datetimeFigureOut">
               <a:rPr lang="en-US" smtClean="0"/>
-              <a:t>11/8/2019</a:t>
+              <a:t>4/23/2020</a:t>
             </a:fld>
             <a:endParaRPr lang="en-US"/>
           </a:p>
@@ -557,7 +557,7 @@
           <a:p>
             <a:fld id="{7B272C57-2FA0-4A9D-99A4-6F756B65018B}" type="datetimeFigureOut">
               <a:rPr lang="en-US" smtClean="0"/>
-              <a:t>11/8/2019</a:t>
+              <a:t>4/23/2020</a:t>
             </a:fld>
             <a:endParaRPr lang="en-US"/>
           </a:p>
@@ -868,7 +868,7 @@
           <a:p>
             <a:fld id="{7B272C57-2FA0-4A9D-99A4-6F756B65018B}" type="datetimeFigureOut">
               <a:rPr lang="en-US" smtClean="0"/>
-              <a:t>11/8/2019</a:t>
+              <a:t>4/23/2020</a:t>
             </a:fld>
             <a:endParaRPr lang="en-US"/>
           </a:p>
@@ -1156,7 +1156,7 @@
           <a:p>
             <a:fld id="{7B272C57-2FA0-4A9D-99A4-6F756B65018B}" type="datetimeFigureOut">
               <a:rPr lang="en-US" smtClean="0"/>
-              <a:t>11/8/2019</a:t>
+              <a:t>4/23/2020</a:t>
             </a:fld>
             <a:endParaRPr lang="en-US"/>
           </a:p>
@@ -1354,7 +1354,7 @@
           <a:p>
             <a:fld id="{7B272C57-2FA0-4A9D-99A4-6F756B65018B}" type="datetimeFigureOut">
               <a:rPr lang="en-US" smtClean="0"/>
-              <a:t>11/8/2019</a:t>
+              <a:t>4/23/2020</a:t>
             </a:fld>
             <a:endParaRPr lang="en-US"/>
           </a:p>
@@ -1562,7 +1562,7 @@
           <a:p>
             <a:fld id="{7B272C57-2FA0-4A9D-99A4-6F756B65018B}" type="datetimeFigureOut">
               <a:rPr lang="en-US" smtClean="0"/>
-              <a:t>11/8/2019</a:t>
+              <a:t>4/23/2020</a:t>
             </a:fld>
             <a:endParaRPr lang="en-US"/>
           </a:p>
@@ -1765,7 +1765,7 @@
           <a:p>
             <a:fld id="{7B272C57-2FA0-4A9D-99A4-6F756B65018B}" type="datetimeFigureOut">
               <a:rPr lang="en-US" smtClean="0"/>
-              <a:t>11/8/2019</a:t>
+              <a:t>4/23/2020</a:t>
             </a:fld>
             <a:endParaRPr lang="en-US"/>
           </a:p>
@@ -1973,7 +1973,7 @@
           <a:p>
             <a:fld id="{7B272C57-2FA0-4A9D-99A4-6F756B65018B}" type="datetimeFigureOut">
               <a:rPr lang="en-US" smtClean="0"/>
-              <a:t>11/8/2019</a:t>
+              <a:t>4/23/2020</a:t>
             </a:fld>
             <a:endParaRPr lang="en-US"/>
           </a:p>
@@ -2334,7 +2334,7 @@
           <a:p>
             <a:fld id="{7B272C57-2FA0-4A9D-99A4-6F756B65018B}" type="datetimeFigureOut">
               <a:rPr lang="en-US" smtClean="0"/>
-              <a:t>11/8/2019</a:t>
+              <a:t>4/23/2020</a:t>
             </a:fld>
             <a:endParaRPr lang="en-US"/>
           </a:p>
@@ -2455,7 +2455,7 @@
           <a:p>
             <a:fld id="{7B272C57-2FA0-4A9D-99A4-6F756B65018B}" type="datetimeFigureOut">
               <a:rPr lang="en-US" smtClean="0"/>
-              <a:t>11/8/2019</a:t>
+              <a:t>4/23/2020</a:t>
             </a:fld>
             <a:endParaRPr lang="en-US"/>
           </a:p>
@@ -2740,7 +2740,7 @@
           <a:p>
             <a:fld id="{7B272C57-2FA0-4A9D-99A4-6F756B65018B}" type="datetimeFigureOut">
               <a:rPr lang="en-US" smtClean="0"/>
-              <a:t>11/8/2019</a:t>
+              <a:t>4/23/2020</a:t>
             </a:fld>
             <a:endParaRPr lang="en-US"/>
           </a:p>
@@ -3114,7 +3114,7 @@
           <a:p>
             <a:fld id="{7B272C57-2FA0-4A9D-99A4-6F756B65018B}" type="datetimeFigureOut">
               <a:rPr lang="en-US" smtClean="0"/>
-              <a:t>11/8/2019</a:t>
+              <a:t>4/23/2020</a:t>
             </a:fld>
             <a:endParaRPr lang="en-US"/>
           </a:p>
@@ -3488,7 +3488,7 @@
           <a:p>
             <a:fld id="{7B272C57-2FA0-4A9D-99A4-6F756B65018B}" type="datetimeFigureOut">
               <a:rPr lang="en-US" smtClean="0"/>
-              <a:t>11/8/2019</a:t>
+              <a:t>4/23/2020</a:t>
             </a:fld>
             <a:endParaRPr lang="en-US"/>
           </a:p>
@@ -4244,7 +4244,7 @@
           <a:p>
             <a:fld id="{7B272C57-2FA0-4A9D-99A4-6F756B65018B}" type="datetimeFigureOut">
               <a:rPr lang="en-US" smtClean="0"/>
-              <a:t>11/8/2019</a:t>
+              <a:t>4/23/2020</a:t>
             </a:fld>
             <a:endParaRPr lang="en-US"/>
           </a:p>
@@ -4491,7 +4491,7 @@
           <a:p>
             <a:fld id="{7B272C57-2FA0-4A9D-99A4-6F756B65018B}" type="datetimeFigureOut">
               <a:rPr lang="en-US" smtClean="0"/>
-              <a:t>11/8/2019</a:t>
+              <a:t>4/23/2020</a:t>
             </a:fld>
             <a:endParaRPr lang="en-US"/>
           </a:p>
@@ -4587,50 +4587,36 @@
           </a:p>
         </p:txBody>
       </p:sp>
-      <p:sp>
-        <p:nvSpPr>
-          <p:cNvPr id="7" name="TextBox 6">
-            <a:extLst>
-              <a:ext uri="{FF2B5EF4-FFF2-40B4-BE49-F238E27FC236}">
-                <a16:creationId xmlns:a16="http://schemas.microsoft.com/office/drawing/2014/main" id="{320D9D67-8C94-46E8-9267-E8C9DBE68300}"/>
-              </a:ext>
-            </a:extLst>
-          </p:cNvPr>
-          <p:cNvSpPr txBox="1"/>
+      <p:pic>
+        <p:nvPicPr>
+          <p:cNvPr id="8" name="Picture 7">
+            <a:extLst>
+              <a:ext uri="{FF2B5EF4-FFF2-40B4-BE49-F238E27FC236}">
+                <a16:creationId xmlns:a16="http://schemas.microsoft.com/office/drawing/2014/main" id="{002ABAA1-DF13-4560-A86C-4949BF9E431B}"/>
+              </a:ext>
+            </a:extLst>
+          </p:cNvPr>
+          <p:cNvPicPr>
+            <a:picLocks noChangeAspect="1"/>
+          </p:cNvPicPr>
           <p:nvPr userDrawn="1"/>
-        </p:nvSpPr>
+        </p:nvPicPr>
+        <p:blipFill>
+          <a:blip r:embed="rId17"/>
+          <a:stretch>
+            <a:fillRect/>
+          </a:stretch>
+        </p:blipFill>
         <p:spPr>
           <a:xfrm>
-            <a:off x="10781608" y="6352141"/>
-            <a:ext cx="1118120" cy="400110"/>
+            <a:off x="10794876" y="6308726"/>
+            <a:ext cx="1270427" cy="488948"/>
           </a:xfrm>
           <a:prstGeom prst="rect">
             <a:avLst/>
           </a:prstGeom>
-          <a:noFill/>
-        </p:spPr>
-        <p:txBody>
-          <a:bodyPr wrap="square" rtlCol="0">
-            <a:spAutoFit/>
-          </a:bodyPr>
-          <a:lstStyle/>
-          <a:p>
-            <a:r>
-              <a:rPr lang="en-US" sz="2000" b="1" dirty="0" err="1">
-                <a:solidFill>
-                  <a:srgbClr val="9FA82E"/>
-                </a:solidFill>
-              </a:rPr>
-              <a:t>IQR</a:t>
-            </a:r>
-            <a:r>
-              <a:rPr lang="en-US" sz="2000" b="1" dirty="0" err="1"/>
-              <a:t>tools</a:t>
-            </a:r>
-            <a:endParaRPr lang="en-CH" sz="2000" b="1" dirty="0"/>
-          </a:p>
-        </p:txBody>
-      </p:sp>
+        </p:spPr>
+      </p:pic>
     </p:spTree>
     <p:extLst>
       <p:ext uri="{BB962C8B-B14F-4D97-AF65-F5344CB8AC3E}">
@@ -5161,7 +5147,7 @@
           <a:p>
             <a:r>
               <a:rPr/>
-              <a:t>IQSlidedeck.R | Date: 2020-04-23 11:15:31</a:t>
+              <a:t>IQSlidedeck.R | Date: 2020-04-23 12:35:49</a:t>
             </a:r>
           </a:p>
         </p:txBody>
@@ -5493,7 +5479,7 @@
           <a:p>
             <a:r>
               <a:rPr/>
-              <a:t>IQSlidedeck.R | Date: 2020-04-23 11:15:32</a:t>
+              <a:t>IQSlidedeck.R | Date: 2020-04-23 12:35:50</a:t>
             </a:r>
           </a:p>
         </p:txBody>
@@ -5825,7 +5811,7 @@
           <a:p>
             <a:r>
               <a:rPr/>
-              <a:t>IQSlidedeck.R | Date: 2020-04-23 11:15:33</a:t>
+              <a:t>IQSlidedeck.R | Date: 2020-04-23 12:35:51</a:t>
             </a:r>
           </a:p>
         </p:txBody>
@@ -6228,7 +6214,7 @@
           <a:p>
             <a:r>
               <a:rPr/>
-              <a:t>IQSlidedeck_IQRobjects.R | Date: 2020-04-23 11:15:59</a:t>
+              <a:t>IQSlidedeck_IQRobjects.R | Date: 2020-04-23 12:36:15</a:t>
             </a:r>
           </a:p>
         </p:txBody>
@@ -6579,7 +6565,7 @@
           <a:p>
             <a:r>
               <a:rPr/>
-              <a:t>IQSlidedeck_IQRobjects.R | Date: 2020-04-23 11:15:59</a:t>
+              <a:t>IQSlidedeck_IQRobjects.R | Date: 2020-04-23 12:36:15</a:t>
             </a:r>
           </a:p>
         </p:txBody>
@@ -6930,7 +6916,7 @@
           <a:p>
             <a:r>
               <a:rPr/>
-              <a:t>IQSlidedeck_IQRobjects.R | Date: 2020-04-23 11:15:59</a:t>
+              <a:t>IQSlidedeck_IQRobjects.R | Date: 2020-04-23 12:36:15</a:t>
             </a:r>
           </a:p>
         </p:txBody>
@@ -7246,7 +7232,7 @@
           <a:p>
             <a:r>
               <a:rPr/>
-              <a:t>IQSlidedeck_IQRobjects.R | Date: 2020-04-23 11:16:00</a:t>
+              <a:t>IQSlidedeck_IQRobjects.R | Date: 2020-04-23 12:36:16</a:t>
             </a:r>
           </a:p>
         </p:txBody>
@@ -7374,7 +7360,7 @@
           <a:p>
             <a:r>
               <a:rPr/>
-              <a:t>IQSlidedeck_IQRobjects.R | Date: 2020-04-23 11:16:01</a:t>
+              <a:t>IQSlidedeck_IQRobjects.R | Date: 2020-04-23 12:36:17</a:t>
             </a:r>
           </a:p>
         </p:txBody>
@@ -7538,7 +7524,7 @@
           <a:p>
             <a:r>
               <a:rPr/>
-              <a:t>IQSlidedeck.R | Date: 2020-04-23 11:15:30</a:t>
+              <a:t>IQSlidedeck.R | Date: 2020-04-23 12:35:48</a:t>
             </a:r>
           </a:p>
         </p:txBody>
@@ -7751,7 +7737,7 @@
           <a:p>
             <a:r>
               <a:rPr/>
-              <a:t>IQSlidedeck.R | Date: 2020-04-23 11:15:30</a:t>
+              <a:t>IQSlidedeck.R | Date: 2020-04-23 12:35:48</a:t>
             </a:r>
           </a:p>
         </p:txBody>
@@ -7852,7 +7838,7 @@
           <a:p>
             <a:r>
               <a:rPr/>
-              <a:t>IQSlidedeck.R | Date: 2020-04-23 11:15:34</a:t>
+              <a:t>IQSlidedeck.R | Date: 2020-04-23 12:35:52</a:t>
             </a:r>
           </a:p>
         </p:txBody>
@@ -7953,7 +7939,7 @@
           <a:p>
             <a:r>
               <a:rPr/>
-              <a:t>IQSlidedeck.R | Date: 2020-04-23 11:15:35</a:t>
+              <a:t>IQSlidedeck.R | Date: 2020-04-23 12:35:53</a:t>
             </a:r>
           </a:p>
         </p:txBody>
@@ -8054,7 +8040,7 @@
           <a:p>
             <a:r>
               <a:rPr/>
-              <a:t>IQSlidedeck.R | Date: 2020-04-23 11:15:40</a:t>
+              <a:t>IQSlidedeck.R | Date: 2020-04-23 12:35:59</a:t>
             </a:r>
           </a:p>
         </p:txBody>

--- a/tests/testresults/script_IQSlidedeck_IQobjects.pptx
+++ b/tests/testresults/script_IQSlidedeck_IQobjects.pptx
@@ -12,17 +12,6 @@
     <p:sldId id="260" r:id="rId10"/>
     <p:sldId id="261" r:id="rId11"/>
     <p:sldId id="262" r:id="rId12"/>
-    <p:sldId id="263" r:id="rId13"/>
-    <p:sldId id="264" r:id="rId14"/>
-    <p:sldId id="265" r:id="rId15"/>
-    <p:sldId id="266" r:id="rId16"/>
-    <p:sldId id="267" r:id="rId17"/>
-    <p:sldId id="268" r:id="rId18"/>
-    <p:sldId id="269" r:id="rId19"/>
-    <p:sldId id="270" r:id="rId20"/>
-    <p:sldId id="271" r:id="rId21"/>
-    <p:sldId id="272" r:id="rId22"/>
-    <p:sldId id="273" r:id="rId23"/>
   </p:sldIdLst>
   <p:sldSz cx="12192000" cy="6858000"/>
   <p:notesSz cx="6858000" cy="9144000"/>
@@ -5013,2354 +5002,7 @@
               <a:rPr/>
               <a:t>IQR Objects
 Daniel Kaschek, IntiQuan
-2020-04-23</a:t>
-            </a:r>
-          </a:p>
-        </p:txBody>
-      </p:sp>
-    </p:spTree>
-  </p:cSld>
-  <p:clrMapOvr>
-    <a:masterClrMapping/>
-  </p:clrMapOvr>
-</p:sld>
-</file>
-
-<file path=ppt/slides/slide10.xml><?xml version="1.0" encoding="utf-8"?>
-<p:sld xmlns:a="http://schemas.openxmlformats.org/drawingml/2006/main" xmlns:r="http://schemas.openxmlformats.org/officeDocument/2006/relationships" xmlns:p="http://schemas.openxmlformats.org/presentationml/2006/main">
-  <p:cSld>
-    <p:spTree>
-      <p:nvGrpSpPr>
-        <p:cNvPr id="1" name=""/>
-        <p:cNvGrpSpPr/>
-        <p:nvPr/>
-      </p:nvGrpSpPr>
-      <p:grpSpPr>
-        <a:xfrm>
-          <a:off x="0" y="0"/>
-          <a:ext cx="0" cy="0"/>
-          <a:chOff x="0" y="0"/>
-          <a:chExt cx="0" cy="0"/>
-        </a:xfrm>
-      </p:grpSpPr>
-      <p:sp xmlns:a="http://schemas.openxmlformats.org/drawingml/2006/main" xmlns:r="http://schemas.openxmlformats.org/officeDocument/2006/relationships" xmlns:p="http://schemas.openxmlformats.org/presentationml/2006/main">
-        <p:nvSpPr>
-          <p:cNvPr id="2" name="Title 1"/>
-          <p:cNvSpPr>
-            <a:spLocks noGrp="1"/>
-          </p:cNvSpPr>
-          <p:nvPr>
-            <p:ph type="title"/>
-          </p:nvPr>
-        </p:nvSpPr>
-        <p:spPr>
-          <a:xfrm rot="-0">
-            <a:off x="0" y="0"/>
-            <a:ext cx="12192000" cy="1013635"/>
-          </a:xfrm>
-        </p:spPr>
-        <p:txBody>
-          <a:bodyPr/>
-          <a:lstStyle/>
-          <a:p>
-            <a:r>
-              <a:rPr/>
-              <a:t>Overview of cars distance vs time to stop shown as table</a:t>
-            </a:r>
-          </a:p>
-        </p:txBody>
-      </p:sp>
-      <p:sp xmlns:a="http://schemas.openxmlformats.org/drawingml/2006/main" xmlns:r="http://schemas.openxmlformats.org/officeDocument/2006/relationships" xmlns:p="http://schemas.openxmlformats.org/presentationml/2006/main">
-        <p:nvSpPr>
-          <p:cNvPr id="3" name="Content Placeholder 2"/>
-          <p:cNvSpPr>
-            <a:spLocks noGrp="1"/>
-          </p:cNvSpPr>
-          <p:nvPr>
-            <p:ph sz="half" idx="1"/>
-          </p:nvPr>
-        </p:nvSpPr>
-        <p:spPr>
-          <a:xfrm rot="-0">
-            <a:off x="250521" y="1205547"/>
-            <a:ext cx="5769279" cy="4971416"/>
-          </a:xfrm>
-        </p:spPr>
-        <p:txBody>
-          <a:bodyPr/>
-          <a:lstStyle/>
-          <a:p>
-            <a:r>
-              <a:rPr/>
-              <a:t>Cars data set from R datasets</a:t>
-            </a:r>
-          </a:p>
-          <a:p>
-            <a:r>
-              <a:rPr/>
-              <a:t>The data vie the speed of cars and distances taken to stop</a:t>
-            </a:r>
-          </a:p>
-        </p:txBody>
-      </p:sp>
-      <p:pic xmlns:a="http://schemas.openxmlformats.org/drawingml/2006/main" xmlns:r="http://schemas.openxmlformats.org/officeDocument/2006/relationships" xmlns:p="http://schemas.openxmlformats.org/presentationml/2006/main">
-        <p:nvPicPr>
-          <p:cNvPr id="4" name="Content Placeholder 3"/>
-          <p:cNvPicPr/>
-          <p:nvPr/>
-        </p:nvPicPr>
-        <p:blipFill>
-          <a:blip cstate="print" r:embed="rId2"/>
-          <a:stretch>
-            <a:fillRect/>
-          </a:stretch>
-        </p:blipFill>
-        <p:spPr>
-          <a:xfrm>
-            <a:off x="6172199" y="1205547"/>
-            <a:ext cx="5727527" cy="4971416"/>
-          </a:xfrm>
-          <a:prstGeom prst="rect">
-            <a:avLst/>
-          </a:prstGeom>
-        </p:spPr>
-      </p:pic>
-      <p:sp xmlns:a="http://schemas.openxmlformats.org/drawingml/2006/main" xmlns:r="http://schemas.openxmlformats.org/officeDocument/2006/relationships" xmlns:p="http://schemas.openxmlformats.org/presentationml/2006/main">
-        <p:nvSpPr>
-          <p:cNvPr id="5" name="Footer Placeholder 5"/>
-          <p:cNvSpPr>
-            <a:spLocks noGrp="1"/>
-          </p:cNvSpPr>
-          <p:nvPr>
-            <p:ph type="ftr" sz="quarter" idx="11"/>
-          </p:nvPr>
-        </p:nvSpPr>
-        <p:spPr>
-          <a:xfrm rot="-0">
-            <a:off x="3144033" y="6356350"/>
-            <a:ext cx="5842763" cy="365125"/>
-          </a:xfrm>
-        </p:spPr>
-        <p:txBody>
-          <a:bodyPr/>
-          <a:lstStyle/>
-          <a:p>
-            <a:r>
-              <a:rPr/>
-              <a:t>IQSlidedeck.R | Date: 2020-04-23 12:35:49</a:t>
-            </a:r>
-          </a:p>
-        </p:txBody>
-      </p:sp>
-    </p:spTree>
-  </p:cSld>
-  <p:clrMapOvr>
-    <a:masterClrMapping/>
-  </p:clrMapOvr>
-</p:sld>
-</file>
-
-<file path=ppt/slides/slide11.xml><?xml version="1.0" encoding="utf-8"?>
-<p:sld xmlns:a="http://schemas.openxmlformats.org/drawingml/2006/main" xmlns:r="http://schemas.openxmlformats.org/officeDocument/2006/relationships" xmlns:p="http://schemas.openxmlformats.org/presentationml/2006/main">
-  <p:cSld>
-    <p:spTree>
-      <p:nvGrpSpPr>
-        <p:cNvPr id="1" name=""/>
-        <p:cNvGrpSpPr/>
-        <p:nvPr/>
-      </p:nvGrpSpPr>
-      <p:grpSpPr>
-        <a:xfrm>
-          <a:off x="0" y="0"/>
-          <a:ext cx="0" cy="0"/>
-          <a:chOff x="0" y="0"/>
-          <a:chExt cx="0" cy="0"/>
-        </a:xfrm>
-      </p:grpSpPr>
-      <p:sp xmlns:a="http://schemas.openxmlformats.org/drawingml/2006/main" xmlns:r="http://schemas.openxmlformats.org/officeDocument/2006/relationships" xmlns:p="http://schemas.openxmlformats.org/presentationml/2006/main">
-        <p:nvSpPr>
-          <p:cNvPr id="2" name="Title 1"/>
-          <p:cNvSpPr>
-            <a:spLocks noGrp="1"/>
-          </p:cNvSpPr>
-          <p:nvPr>
-            <p:ph type="title"/>
-          </p:nvPr>
-        </p:nvSpPr>
-        <p:spPr>
-          <a:xfrm rot="-0">
-            <a:off x="0" y="0"/>
-            <a:ext cx="12192000" cy="1013635"/>
-          </a:xfrm>
-        </p:spPr>
-        <p:txBody>
-          <a:bodyPr/>
-          <a:lstStyle/>
-          <a:p>
-            <a:r>
-              <a:rPr/>
-              <a:t>Overview of cars distance vs time to stop shown as table</a:t>
-            </a:r>
-          </a:p>
-        </p:txBody>
-      </p:sp>
-      <p:sp xmlns:a="http://schemas.openxmlformats.org/drawingml/2006/main" xmlns:r="http://schemas.openxmlformats.org/officeDocument/2006/relationships" xmlns:p="http://schemas.openxmlformats.org/presentationml/2006/main">
-        <p:nvSpPr>
-          <p:cNvPr id="3" name="Content Placeholder 2"/>
-          <p:cNvSpPr>
-            <a:spLocks noGrp="1"/>
-          </p:cNvSpPr>
-          <p:nvPr>
-            <p:ph sz="half" idx="1"/>
-          </p:nvPr>
-        </p:nvSpPr>
-        <p:spPr>
-          <a:xfrm rot="-0">
-            <a:off x="250521" y="1205547"/>
-            <a:ext cx="5769279" cy="4971416"/>
-          </a:xfrm>
-        </p:spPr>
-        <p:txBody>
-          <a:bodyPr/>
-          <a:lstStyle/>
-          <a:p>
-            <a:r>
-              <a:rPr/>
-              <a:t/>
-            </a:r>
-            <a:r xmlns:a="http://schemas.openxmlformats.org/drawingml/2006/main" xmlns:r="http://schemas.openxmlformats.org/officeDocument/2006/relationships" xmlns:p="http://schemas.openxmlformats.org/presentationml/2006/main">
-              <a:rPr cap="none">
-                <a:solidFill>
-                  <a:srgbClr val="000000">
-                    <a:alpha val="100000"/>
-                  </a:srgbClr>
-                </a:solidFill>
-                <a:latin typeface=""/>
-                <a:cs typeface=""/>
-              </a:rPr>
-              <a:t>Bullet point with </a:t>
-            </a:r>
-            <a:r xmlns:a="http://schemas.openxmlformats.org/drawingml/2006/main" xmlns:r="http://schemas.openxmlformats.org/officeDocument/2006/relationships" xmlns:p="http://schemas.openxmlformats.org/presentationml/2006/main">
-              <a:rPr cap="none" b="1">
-                <a:solidFill>
-                  <a:srgbClr val="000000">
-                    <a:alpha val="100000"/>
-                  </a:srgbClr>
-                </a:solidFill>
-                <a:latin typeface=""/>
-                <a:cs typeface=""/>
-              </a:rPr>
-              <a:t>bold</a:t>
-            </a:r>
-            <a:r xmlns:a="http://schemas.openxmlformats.org/drawingml/2006/main" xmlns:r="http://schemas.openxmlformats.org/officeDocument/2006/relationships" xmlns:p="http://schemas.openxmlformats.org/presentationml/2006/main">
-              <a:rPr cap="none">
-                <a:solidFill>
-                  <a:srgbClr val="000000">
-                    <a:alpha val="100000"/>
-                  </a:srgbClr>
-                </a:solidFill>
-                <a:latin typeface=""/>
-                <a:cs typeface=""/>
-              </a:rPr>
-              <a:t> and </a:t>
-            </a:r>
-            <a:r xmlns:a="http://schemas.openxmlformats.org/drawingml/2006/main" xmlns:r="http://schemas.openxmlformats.org/officeDocument/2006/relationships" xmlns:p="http://schemas.openxmlformats.org/presentationml/2006/main">
-              <a:rPr cap="none" i="1">
-                <a:solidFill>
-                  <a:srgbClr val="000000">
-                    <a:alpha val="100000"/>
-                  </a:srgbClr>
-                </a:solidFill>
-                <a:latin typeface=""/>
-                <a:cs typeface=""/>
-              </a:rPr>
-              <a:t>italic</a:t>
-            </a:r>
-          </a:p>
-          <a:p xmlns:a="http://schemas.openxmlformats.org/drawingml/2006/main" xmlns:r="http://schemas.openxmlformats.org/officeDocument/2006/relationships" xmlns:p="http://schemas.openxmlformats.org/presentationml/2006/main">
-            <a:r xmlns:a="http://schemas.openxmlformats.org/drawingml/2006/main" xmlns:r="http://schemas.openxmlformats.org/officeDocument/2006/relationships" xmlns:p="http://schemas.openxmlformats.org/presentationml/2006/main">
-              <a:rPr cap="none">
-                <a:solidFill>
-                  <a:srgbClr val="000000">
-                    <a:alpha val="100000"/>
-                  </a:srgbClr>
-                </a:solidFill>
-                <a:latin typeface=""/>
-                <a:cs typeface=""/>
-              </a:rPr>
-              <a:t>Another bullet point</a:t>
-            </a:r>
-          </a:p>
-          <a:p xmlns:a="http://schemas.openxmlformats.org/drawingml/2006/main" xmlns:r="http://schemas.openxmlformats.org/officeDocument/2006/relationships" xmlns:p="http://schemas.openxmlformats.org/presentationml/2006/main">
-            <a:pPr lvl="1"/>
-            <a:r xmlns:a="http://schemas.openxmlformats.org/drawingml/2006/main" xmlns:r="http://schemas.openxmlformats.org/officeDocument/2006/relationships" xmlns:p="http://schemas.openxmlformats.org/presentationml/2006/main">
-              <a:rPr cap="none">
-                <a:solidFill>
-                  <a:srgbClr val="000000">
-                    <a:alpha val="100000"/>
-                  </a:srgbClr>
-                </a:solidFill>
-                <a:latin typeface=""/>
-                <a:cs typeface=""/>
-              </a:rPr>
-              <a:t>Indented by two spaces</a:t>
-            </a:r>
-          </a:p>
-          <a:p xmlns:a="http://schemas.openxmlformats.org/drawingml/2006/main" xmlns:r="http://schemas.openxmlformats.org/officeDocument/2006/relationships" xmlns:p="http://schemas.openxmlformats.org/presentationml/2006/main">
-            <a:pPr lvl="1"/>
-            <a:r xmlns:a="http://schemas.openxmlformats.org/drawingml/2006/main" xmlns:r="http://schemas.openxmlformats.org/officeDocument/2006/relationships" xmlns:p="http://schemas.openxmlformats.org/presentationml/2006/main">
-              <a:rPr cap="none">
-                <a:solidFill>
-                  <a:srgbClr val="000000">
-                    <a:alpha val="100000"/>
-                  </a:srgbClr>
-                </a:solidFill>
-                <a:latin typeface=""/>
-                <a:cs typeface=""/>
-              </a:rPr>
-              <a:t>Another one</a:t>
-            </a:r>
-          </a:p>
-          <a:p xmlns:a="http://schemas.openxmlformats.org/drawingml/2006/main" xmlns:r="http://schemas.openxmlformats.org/officeDocument/2006/relationships" xmlns:p="http://schemas.openxmlformats.org/presentationml/2006/main">
-            <a:r xmlns:a="http://schemas.openxmlformats.org/drawingml/2006/main" xmlns:r="http://schemas.openxmlformats.org/officeDocument/2006/relationships" xmlns:p="http://schemas.openxmlformats.org/presentationml/2006/main">
-              <a:rPr cap="none">
-                <a:solidFill>
-                  <a:srgbClr val="000000">
-                    <a:alpha val="100000"/>
-                  </a:srgbClr>
-                </a:solidFill>
-                <a:latin typeface=""/>
-                <a:cs typeface=""/>
-              </a:rPr>
-              <a:t>And back to </a:t>
-            </a:r>
-            <a:r xmlns:a="http://schemas.openxmlformats.org/drawingml/2006/main" xmlns:r="http://schemas.openxmlformats.org/officeDocument/2006/relationships" xmlns:p="http://schemas.openxmlformats.org/presentationml/2006/main">
-              <a:rPr cap="none" i="1" b="1">
-                <a:solidFill>
-                  <a:srgbClr val="000000">
-                    <a:alpha val="100000"/>
-                  </a:srgbClr>
-                </a:solidFill>
-                <a:latin typeface=""/>
-                <a:cs typeface=""/>
-              </a:rPr>
-              <a:t>really</a:t>
-            </a:r>
-            <a:r xmlns:a="http://schemas.openxmlformats.org/drawingml/2006/main" xmlns:r="http://schemas.openxmlformats.org/officeDocument/2006/relationships" xmlns:p="http://schemas.openxmlformats.org/presentationml/2006/main">
-              <a:rPr cap="none" b="1">
-                <a:solidFill>
-                  <a:srgbClr val="000000">
-                    <a:alpha val="100000"/>
-                  </a:srgbClr>
-                </a:solidFill>
-                <a:latin typeface=""/>
-                <a:cs typeface=""/>
-              </a:rPr>
-              <a:t> outer</a:t>
-            </a:r>
-            <a:r xmlns:a="http://schemas.openxmlformats.org/drawingml/2006/main" xmlns:r="http://schemas.openxmlformats.org/officeDocument/2006/relationships" xmlns:p="http://schemas.openxmlformats.org/presentationml/2006/main">
-              <a:rPr cap="none">
-                <a:solidFill>
-                  <a:srgbClr val="000000">
-                    <a:alpha val="100000"/>
-                  </a:srgbClr>
-                </a:solidFill>
-                <a:latin typeface=""/>
-                <a:cs typeface=""/>
-              </a:rPr>
-              <a:t> level</a:t>
-            </a:r>
-          </a:p>
-          <a:p xmlns:a="http://schemas.openxmlformats.org/drawingml/2006/main" xmlns:r="http://schemas.openxmlformats.org/officeDocument/2006/relationships" xmlns:p="http://schemas.openxmlformats.org/presentationml/2006/main">
-            <a:r xmlns:a="http://schemas.openxmlformats.org/drawingml/2006/main" xmlns:r="http://schemas.openxmlformats.org/officeDocument/2006/relationships" xmlns:p="http://schemas.openxmlformats.org/presentationml/2006/main">
-              <a:rPr cap="none">
-                <a:solidFill>
-                  <a:srgbClr val="000000">
-                    <a:alpha val="100000"/>
-                  </a:srgbClr>
-                </a:solidFill>
-                <a:latin typeface=""/>
-                <a:cs typeface=""/>
-              </a:rPr>
-              <a:t>Some sort of formula </a:t>
-            </a:r>
-            <a:r xmlns:a="http://schemas.openxmlformats.org/drawingml/2006/main" xmlns:r="http://schemas.openxmlformats.org/officeDocument/2006/relationships" xmlns:p="http://schemas.openxmlformats.org/presentationml/2006/main">
-              <a:rPr cap="none">
-                <a:solidFill>
-                  <a:srgbClr val="000000">
-                    <a:alpha val="100000"/>
-                  </a:srgbClr>
-                </a:solidFill>
-                <a:latin typeface="Consolas"/>
-                <a:cs typeface="Consolas"/>
-              </a:rPr>
-              <a:t>E</a:t>
-            </a:r>
-            <a:r xmlns:a="http://schemas.openxmlformats.org/drawingml/2006/main" xmlns:r="http://schemas.openxmlformats.org/officeDocument/2006/relationships" xmlns:p="http://schemas.openxmlformats.org/presentationml/2006/main">
-              <a:rPr cap="none" baseline="-40000">
-                <a:solidFill>
-                  <a:srgbClr val="000000">
-                    <a:alpha val="100000"/>
-                  </a:srgbClr>
-                </a:solidFill>
-                <a:latin typeface="Consolas"/>
-                <a:cs typeface="Consolas"/>
-              </a:rPr>
-              <a:t>rel</a:t>
-            </a:r>
-            <a:r xmlns:a="http://schemas.openxmlformats.org/drawingml/2006/main" xmlns:r="http://schemas.openxmlformats.org/officeDocument/2006/relationships" xmlns:p="http://schemas.openxmlformats.org/presentationml/2006/main">
-              <a:rPr cap="none">
-                <a:solidFill>
-                  <a:srgbClr val="000000">
-                    <a:alpha val="100000"/>
-                  </a:srgbClr>
-                </a:solidFill>
-                <a:latin typeface="Consolas"/>
-                <a:cs typeface="Consolas"/>
-              </a:rPr>
-              <a:t> = m*c</a:t>
-            </a:r>
-            <a:r xmlns:a="http://schemas.openxmlformats.org/drawingml/2006/main" xmlns:r="http://schemas.openxmlformats.org/officeDocument/2006/relationships" xmlns:p="http://schemas.openxmlformats.org/presentationml/2006/main">
-              <a:rPr cap="none" baseline="40000">
-                <a:solidFill>
-                  <a:srgbClr val="000000">
-                    <a:alpha val="100000"/>
-                  </a:srgbClr>
-                </a:solidFill>
-                <a:latin typeface="Consolas"/>
-                <a:cs typeface="Consolas"/>
-              </a:rPr>
-              <a:t>2</a:t>
-            </a:r>
-          </a:p>
-        </p:txBody>
-      </p:sp>
-      <p:pic xmlns:a="http://schemas.openxmlformats.org/drawingml/2006/main" xmlns:r="http://schemas.openxmlformats.org/officeDocument/2006/relationships" xmlns:p="http://schemas.openxmlformats.org/presentationml/2006/main">
-        <p:nvPicPr>
-          <p:cNvPr id="4" name="Content Placeholder 3"/>
-          <p:cNvPicPr/>
-          <p:nvPr/>
-        </p:nvPicPr>
-        <p:blipFill>
-          <a:blip cstate="print" r:embed="rId2"/>
-          <a:stretch>
-            <a:fillRect/>
-          </a:stretch>
-        </p:blipFill>
-        <p:spPr>
-          <a:xfrm>
-            <a:off x="6172199" y="1205547"/>
-            <a:ext cx="5727527" cy="4971416"/>
-          </a:xfrm>
-          <a:prstGeom prst="rect">
-            <a:avLst/>
-          </a:prstGeom>
-        </p:spPr>
-      </p:pic>
-      <p:sp xmlns:a="http://schemas.openxmlformats.org/drawingml/2006/main" xmlns:r="http://schemas.openxmlformats.org/officeDocument/2006/relationships" xmlns:p="http://schemas.openxmlformats.org/presentationml/2006/main">
-        <p:nvSpPr>
-          <p:cNvPr id="5" name="Footer Placeholder 5"/>
-          <p:cNvSpPr>
-            <a:spLocks noGrp="1"/>
-          </p:cNvSpPr>
-          <p:nvPr>
-            <p:ph type="ftr" sz="quarter" idx="11"/>
-          </p:nvPr>
-        </p:nvSpPr>
-        <p:spPr>
-          <a:xfrm rot="-0">
-            <a:off x="3144033" y="6356350"/>
-            <a:ext cx="5842763" cy="365125"/>
-          </a:xfrm>
-        </p:spPr>
-        <p:txBody>
-          <a:bodyPr/>
-          <a:lstStyle/>
-          <a:p>
-            <a:r>
-              <a:rPr/>
-              <a:t>IQSlidedeck.R | Date: 2020-04-23 12:35:50</a:t>
-            </a:r>
-          </a:p>
-        </p:txBody>
-      </p:sp>
-    </p:spTree>
-  </p:cSld>
-  <p:clrMapOvr>
-    <a:masterClrMapping/>
-  </p:clrMapOvr>
-</p:sld>
-</file>
-
-<file path=ppt/slides/slide12.xml><?xml version="1.0" encoding="utf-8"?>
-<p:sld xmlns:a="http://schemas.openxmlformats.org/drawingml/2006/main" xmlns:r="http://schemas.openxmlformats.org/officeDocument/2006/relationships" xmlns:p="http://schemas.openxmlformats.org/presentationml/2006/main">
-  <p:cSld>
-    <p:spTree>
-      <p:nvGrpSpPr>
-        <p:cNvPr id="1" name=""/>
-        <p:cNvGrpSpPr/>
-        <p:nvPr/>
-      </p:nvGrpSpPr>
-      <p:grpSpPr>
-        <a:xfrm>
-          <a:off x="0" y="0"/>
-          <a:ext cx="0" cy="0"/>
-          <a:chOff x="0" y="0"/>
-          <a:chExt cx="0" cy="0"/>
-        </a:xfrm>
-      </p:grpSpPr>
-      <p:sp xmlns:a="http://schemas.openxmlformats.org/drawingml/2006/main" xmlns:r="http://schemas.openxmlformats.org/officeDocument/2006/relationships" xmlns:p="http://schemas.openxmlformats.org/presentationml/2006/main">
-        <p:nvSpPr>
-          <p:cNvPr id="2" name="Title 1"/>
-          <p:cNvSpPr>
-            <a:spLocks noGrp="1"/>
-          </p:cNvSpPr>
-          <p:nvPr>
-            <p:ph type="title"/>
-          </p:nvPr>
-        </p:nvSpPr>
-        <p:spPr>
-          <a:xfrm rot="-0">
-            <a:off x="0" y="0"/>
-            <a:ext cx="12192000" cy="1013635"/>
-          </a:xfrm>
-        </p:spPr>
-        <p:txBody>
-          <a:bodyPr/>
-          <a:lstStyle/>
-          <a:p>
-            <a:r>
-              <a:rPr/>
-              <a:t>Overview of cars distance vs time to stop shown as table</a:t>
-            </a:r>
-          </a:p>
-        </p:txBody>
-      </p:sp>
-      <p:pic xmlns:a="http://schemas.openxmlformats.org/drawingml/2006/main" xmlns:r="http://schemas.openxmlformats.org/officeDocument/2006/relationships" xmlns:p="http://schemas.openxmlformats.org/presentationml/2006/main">
-        <p:nvPicPr>
-          <p:cNvPr id="3" name="Content Placeholder 2"/>
-          <p:cNvPicPr/>
-          <p:nvPr/>
-        </p:nvPicPr>
-        <p:blipFill>
-          <a:blip cstate="print" r:embed="rId2"/>
-          <a:stretch>
-            <a:fillRect/>
-          </a:stretch>
-        </p:blipFill>
-        <p:spPr>
-          <a:xfrm>
-            <a:off x="250521" y="1205547"/>
-            <a:ext cx="5769279" cy="4971416"/>
-          </a:xfrm>
-          <a:prstGeom prst="rect">
-            <a:avLst/>
-          </a:prstGeom>
-        </p:spPr>
-      </p:pic>
-      <p:sp xmlns:a="http://schemas.openxmlformats.org/drawingml/2006/main" xmlns:r="http://schemas.openxmlformats.org/officeDocument/2006/relationships" xmlns:p="http://schemas.openxmlformats.org/presentationml/2006/main">
-        <p:nvSpPr>
-          <p:cNvPr id="4" name="Content Placeholder 3"/>
-          <p:cNvSpPr>
-            <a:spLocks noGrp="1"/>
-          </p:cNvSpPr>
-          <p:nvPr>
-            <p:ph sz="half" idx="2"/>
-          </p:nvPr>
-        </p:nvSpPr>
-        <p:spPr>
-          <a:xfrm rot="-0">
-            <a:off x="6172199" y="1205547"/>
-            <a:ext cx="5727527" cy="4971416"/>
-          </a:xfrm>
-        </p:spPr>
-        <p:txBody>
-          <a:bodyPr/>
-          <a:lstStyle/>
-          <a:p>
-            <a:r>
-              <a:rPr/>
-              <a:t/>
-            </a:r>
-            <a:r xmlns:a="http://schemas.openxmlformats.org/drawingml/2006/main" xmlns:r="http://schemas.openxmlformats.org/officeDocument/2006/relationships" xmlns:p="http://schemas.openxmlformats.org/presentationml/2006/main">
-              <a:rPr cap="none">
-                <a:solidFill>
-                  <a:srgbClr val="000000">
-                    <a:alpha val="100000"/>
-                  </a:srgbClr>
-                </a:solidFill>
-                <a:latin typeface=""/>
-                <a:cs typeface=""/>
-              </a:rPr>
-              <a:t>Bullet point with </a:t>
-            </a:r>
-            <a:r xmlns:a="http://schemas.openxmlformats.org/drawingml/2006/main" xmlns:r="http://schemas.openxmlformats.org/officeDocument/2006/relationships" xmlns:p="http://schemas.openxmlformats.org/presentationml/2006/main">
-              <a:rPr cap="none" b="1">
-                <a:solidFill>
-                  <a:srgbClr val="000000">
-                    <a:alpha val="100000"/>
-                  </a:srgbClr>
-                </a:solidFill>
-                <a:latin typeface=""/>
-                <a:cs typeface=""/>
-              </a:rPr>
-              <a:t>bold</a:t>
-            </a:r>
-            <a:r xmlns:a="http://schemas.openxmlformats.org/drawingml/2006/main" xmlns:r="http://schemas.openxmlformats.org/officeDocument/2006/relationships" xmlns:p="http://schemas.openxmlformats.org/presentationml/2006/main">
-              <a:rPr cap="none">
-                <a:solidFill>
-                  <a:srgbClr val="000000">
-                    <a:alpha val="100000"/>
-                  </a:srgbClr>
-                </a:solidFill>
-                <a:latin typeface=""/>
-                <a:cs typeface=""/>
-              </a:rPr>
-              <a:t> and </a:t>
-            </a:r>
-            <a:r xmlns:a="http://schemas.openxmlformats.org/drawingml/2006/main" xmlns:r="http://schemas.openxmlformats.org/officeDocument/2006/relationships" xmlns:p="http://schemas.openxmlformats.org/presentationml/2006/main">
-              <a:rPr cap="none" i="1">
-                <a:solidFill>
-                  <a:srgbClr val="000000">
-                    <a:alpha val="100000"/>
-                  </a:srgbClr>
-                </a:solidFill>
-                <a:latin typeface=""/>
-                <a:cs typeface=""/>
-              </a:rPr>
-              <a:t>italic</a:t>
-            </a:r>
-          </a:p>
-          <a:p xmlns:a="http://schemas.openxmlformats.org/drawingml/2006/main" xmlns:r="http://schemas.openxmlformats.org/officeDocument/2006/relationships" xmlns:p="http://schemas.openxmlformats.org/presentationml/2006/main">
-            <a:r xmlns:a="http://schemas.openxmlformats.org/drawingml/2006/main" xmlns:r="http://schemas.openxmlformats.org/officeDocument/2006/relationships" xmlns:p="http://schemas.openxmlformats.org/presentationml/2006/main">
-              <a:rPr cap="none">
-                <a:solidFill>
-                  <a:srgbClr val="000000">
-                    <a:alpha val="100000"/>
-                  </a:srgbClr>
-                </a:solidFill>
-                <a:latin typeface=""/>
-                <a:cs typeface=""/>
-              </a:rPr>
-              <a:t>Another bullet point</a:t>
-            </a:r>
-          </a:p>
-          <a:p xmlns:a="http://schemas.openxmlformats.org/drawingml/2006/main" xmlns:r="http://schemas.openxmlformats.org/officeDocument/2006/relationships" xmlns:p="http://schemas.openxmlformats.org/presentationml/2006/main">
-            <a:pPr lvl="1"/>
-            <a:r xmlns:a="http://schemas.openxmlformats.org/drawingml/2006/main" xmlns:r="http://schemas.openxmlformats.org/officeDocument/2006/relationships" xmlns:p="http://schemas.openxmlformats.org/presentationml/2006/main">
-              <a:rPr cap="none">
-                <a:solidFill>
-                  <a:srgbClr val="000000">
-                    <a:alpha val="100000"/>
-                  </a:srgbClr>
-                </a:solidFill>
-                <a:latin typeface=""/>
-                <a:cs typeface=""/>
-              </a:rPr>
-              <a:t>Indented by two spaces</a:t>
-            </a:r>
-          </a:p>
-          <a:p xmlns:a="http://schemas.openxmlformats.org/drawingml/2006/main" xmlns:r="http://schemas.openxmlformats.org/officeDocument/2006/relationships" xmlns:p="http://schemas.openxmlformats.org/presentationml/2006/main">
-            <a:pPr lvl="1"/>
-            <a:r xmlns:a="http://schemas.openxmlformats.org/drawingml/2006/main" xmlns:r="http://schemas.openxmlformats.org/officeDocument/2006/relationships" xmlns:p="http://schemas.openxmlformats.org/presentationml/2006/main">
-              <a:rPr cap="none">
-                <a:solidFill>
-                  <a:srgbClr val="000000">
-                    <a:alpha val="100000"/>
-                  </a:srgbClr>
-                </a:solidFill>
-                <a:latin typeface=""/>
-                <a:cs typeface=""/>
-              </a:rPr>
-              <a:t>Another one</a:t>
-            </a:r>
-          </a:p>
-          <a:p xmlns:a="http://schemas.openxmlformats.org/drawingml/2006/main" xmlns:r="http://schemas.openxmlformats.org/officeDocument/2006/relationships" xmlns:p="http://schemas.openxmlformats.org/presentationml/2006/main">
-            <a:r xmlns:a="http://schemas.openxmlformats.org/drawingml/2006/main" xmlns:r="http://schemas.openxmlformats.org/officeDocument/2006/relationships" xmlns:p="http://schemas.openxmlformats.org/presentationml/2006/main">
-              <a:rPr cap="none">
-                <a:solidFill>
-                  <a:srgbClr val="000000">
-                    <a:alpha val="100000"/>
-                  </a:srgbClr>
-                </a:solidFill>
-                <a:latin typeface=""/>
-                <a:cs typeface=""/>
-              </a:rPr>
-              <a:t>And back to </a:t>
-            </a:r>
-            <a:r xmlns:a="http://schemas.openxmlformats.org/drawingml/2006/main" xmlns:r="http://schemas.openxmlformats.org/officeDocument/2006/relationships" xmlns:p="http://schemas.openxmlformats.org/presentationml/2006/main">
-              <a:rPr cap="none" i="1" b="1">
-                <a:solidFill>
-                  <a:srgbClr val="000000">
-                    <a:alpha val="100000"/>
-                  </a:srgbClr>
-                </a:solidFill>
-                <a:latin typeface=""/>
-                <a:cs typeface=""/>
-              </a:rPr>
-              <a:t>really</a:t>
-            </a:r>
-            <a:r xmlns:a="http://schemas.openxmlformats.org/drawingml/2006/main" xmlns:r="http://schemas.openxmlformats.org/officeDocument/2006/relationships" xmlns:p="http://schemas.openxmlformats.org/presentationml/2006/main">
-              <a:rPr cap="none" b="1">
-                <a:solidFill>
-                  <a:srgbClr val="000000">
-                    <a:alpha val="100000"/>
-                  </a:srgbClr>
-                </a:solidFill>
-                <a:latin typeface=""/>
-                <a:cs typeface=""/>
-              </a:rPr>
-              <a:t> outer</a:t>
-            </a:r>
-            <a:r xmlns:a="http://schemas.openxmlformats.org/drawingml/2006/main" xmlns:r="http://schemas.openxmlformats.org/officeDocument/2006/relationships" xmlns:p="http://schemas.openxmlformats.org/presentationml/2006/main">
-              <a:rPr cap="none">
-                <a:solidFill>
-                  <a:srgbClr val="000000">
-                    <a:alpha val="100000"/>
-                  </a:srgbClr>
-                </a:solidFill>
-                <a:latin typeface=""/>
-                <a:cs typeface=""/>
-              </a:rPr>
-              <a:t> level</a:t>
-            </a:r>
-          </a:p>
-          <a:p xmlns:a="http://schemas.openxmlformats.org/drawingml/2006/main" xmlns:r="http://schemas.openxmlformats.org/officeDocument/2006/relationships" xmlns:p="http://schemas.openxmlformats.org/presentationml/2006/main">
-            <a:r xmlns:a="http://schemas.openxmlformats.org/drawingml/2006/main" xmlns:r="http://schemas.openxmlformats.org/officeDocument/2006/relationships" xmlns:p="http://schemas.openxmlformats.org/presentationml/2006/main">
-              <a:rPr cap="none">
-                <a:solidFill>
-                  <a:srgbClr val="000000">
-                    <a:alpha val="100000"/>
-                  </a:srgbClr>
-                </a:solidFill>
-                <a:latin typeface=""/>
-                <a:cs typeface=""/>
-              </a:rPr>
-              <a:t>Some sort of formula </a:t>
-            </a:r>
-            <a:r xmlns:a="http://schemas.openxmlformats.org/drawingml/2006/main" xmlns:r="http://schemas.openxmlformats.org/officeDocument/2006/relationships" xmlns:p="http://schemas.openxmlformats.org/presentationml/2006/main">
-              <a:rPr cap="none">
-                <a:solidFill>
-                  <a:srgbClr val="000000">
-                    <a:alpha val="100000"/>
-                  </a:srgbClr>
-                </a:solidFill>
-                <a:latin typeface="Consolas"/>
-                <a:cs typeface="Consolas"/>
-              </a:rPr>
-              <a:t>E</a:t>
-            </a:r>
-            <a:r xmlns:a="http://schemas.openxmlformats.org/drawingml/2006/main" xmlns:r="http://schemas.openxmlformats.org/officeDocument/2006/relationships" xmlns:p="http://schemas.openxmlformats.org/presentationml/2006/main">
-              <a:rPr cap="none" baseline="-40000">
-                <a:solidFill>
-                  <a:srgbClr val="000000">
-                    <a:alpha val="100000"/>
-                  </a:srgbClr>
-                </a:solidFill>
-                <a:latin typeface="Consolas"/>
-                <a:cs typeface="Consolas"/>
-              </a:rPr>
-              <a:t>rel</a:t>
-            </a:r>
-            <a:r xmlns:a="http://schemas.openxmlformats.org/drawingml/2006/main" xmlns:r="http://schemas.openxmlformats.org/officeDocument/2006/relationships" xmlns:p="http://schemas.openxmlformats.org/presentationml/2006/main">
-              <a:rPr cap="none">
-                <a:solidFill>
-                  <a:srgbClr val="000000">
-                    <a:alpha val="100000"/>
-                  </a:srgbClr>
-                </a:solidFill>
-                <a:latin typeface="Consolas"/>
-                <a:cs typeface="Consolas"/>
-              </a:rPr>
-              <a:t> = m*c</a:t>
-            </a:r>
-            <a:r xmlns:a="http://schemas.openxmlformats.org/drawingml/2006/main" xmlns:r="http://schemas.openxmlformats.org/officeDocument/2006/relationships" xmlns:p="http://schemas.openxmlformats.org/presentationml/2006/main">
-              <a:rPr cap="none" baseline="40000">
-                <a:solidFill>
-                  <a:srgbClr val="000000">
-                    <a:alpha val="100000"/>
-                  </a:srgbClr>
-                </a:solidFill>
-                <a:latin typeface="Consolas"/>
-                <a:cs typeface="Consolas"/>
-              </a:rPr>
-              <a:t>2</a:t>
-            </a:r>
-          </a:p>
-        </p:txBody>
-      </p:sp>
-      <p:sp xmlns:a="http://schemas.openxmlformats.org/drawingml/2006/main" xmlns:r="http://schemas.openxmlformats.org/officeDocument/2006/relationships" xmlns:p="http://schemas.openxmlformats.org/presentationml/2006/main">
-        <p:nvSpPr>
-          <p:cNvPr id="5" name="Footer Placeholder 5"/>
-          <p:cNvSpPr>
-            <a:spLocks noGrp="1"/>
-          </p:cNvSpPr>
-          <p:nvPr>
-            <p:ph type="ftr" sz="quarter" idx="11"/>
-          </p:nvPr>
-        </p:nvSpPr>
-        <p:spPr>
-          <a:xfrm rot="-0">
-            <a:off x="3144033" y="6356350"/>
-            <a:ext cx="5842763" cy="365125"/>
-          </a:xfrm>
-        </p:spPr>
-        <p:txBody>
-          <a:bodyPr/>
-          <a:lstStyle/>
-          <a:p>
-            <a:r>
-              <a:rPr/>
-              <a:t>IQSlidedeck.R | Date: 2020-04-23 12:35:51</a:t>
-            </a:r>
-          </a:p>
-        </p:txBody>
-      </p:sp>
-    </p:spTree>
-  </p:cSld>
-  <p:clrMapOvr>
-    <a:masterClrMapping/>
-  </p:clrMapOvr>
-</p:sld>
-</file>
-
-<file path=ppt/slides/slide13.xml><?xml version="1.0" encoding="utf-8"?>
-<p:sld xmlns:a="http://schemas.openxmlformats.org/drawingml/2006/main" xmlns:r="http://schemas.openxmlformats.org/officeDocument/2006/relationships" xmlns:p="http://schemas.openxmlformats.org/presentationml/2006/main">
-  <p:cSld>
-    <p:spTree>
-      <p:nvGrpSpPr>
-        <p:cNvPr id="1" name=""/>
-        <p:cNvGrpSpPr/>
-        <p:nvPr/>
-      </p:nvGrpSpPr>
-      <p:grpSpPr>
-        <a:xfrm>
-          <a:off x="0" y="0"/>
-          <a:ext cx="0" cy="0"/>
-          <a:chOff x="0" y="0"/>
-          <a:chExt cx="0" cy="0"/>
-        </a:xfrm>
-      </p:grpSpPr>
-      <p:sp xmlns:a="http://schemas.openxmlformats.org/drawingml/2006/main" xmlns:r="http://schemas.openxmlformats.org/officeDocument/2006/relationships" xmlns:p="http://schemas.openxmlformats.org/presentationml/2006/main">
-        <p:nvSpPr>
-          <p:cNvPr id="2" name="Title 1"/>
-          <p:cNvSpPr>
-            <a:spLocks noGrp="1"/>
-          </p:cNvSpPr>
-          <p:nvPr>
-            <p:ph type="title"/>
-          </p:nvPr>
-        </p:nvSpPr>
-        <p:spPr>
-          <a:xfrm rot="-0">
-            <a:off x="0" y="2212521"/>
-            <a:ext cx="8580329" cy="1506735"/>
-          </a:xfrm>
-        </p:spPr>
-        <p:txBody>
-          <a:bodyPr/>
-          <a:lstStyle/>
-          <a:p>
-            <a:r>
-              <a:rPr/>
-              <a:t>Test IQR Objects</a:t>
-            </a:r>
-          </a:p>
-        </p:txBody>
-      </p:sp>
-    </p:spTree>
-  </p:cSld>
-  <p:clrMapOvr>
-    <a:masterClrMapping/>
-  </p:clrMapOvr>
-</p:sld>
-</file>
-
-<file path=ppt/slides/slide14.xml><?xml version="1.0" encoding="utf-8"?>
-<p:sld xmlns:a="http://schemas.openxmlformats.org/drawingml/2006/main" xmlns:r="http://schemas.openxmlformats.org/officeDocument/2006/relationships" xmlns:p="http://schemas.openxmlformats.org/presentationml/2006/main">
-  <p:cSld>
-    <p:spTree>
-      <p:nvGrpSpPr>
-        <p:cNvPr id="1" name=""/>
-        <p:cNvGrpSpPr/>
-        <p:nvPr/>
-      </p:nvGrpSpPr>
-      <p:grpSpPr>
-        <a:xfrm>
-          <a:off x="0" y="0"/>
-          <a:ext cx="0" cy="0"/>
-          <a:chOff x="0" y="0"/>
-          <a:chExt cx="0" cy="0"/>
-        </a:xfrm>
-      </p:grpSpPr>
-      <p:sp xmlns:a="http://schemas.openxmlformats.org/drawingml/2006/main" xmlns:r="http://schemas.openxmlformats.org/officeDocument/2006/relationships" xmlns:p="http://schemas.openxmlformats.org/presentationml/2006/main">
-        <p:nvSpPr>
-          <p:cNvPr id="2" name="Title 1"/>
-          <p:cNvSpPr>
-            <a:spLocks noGrp="1"/>
-          </p:cNvSpPr>
-          <p:nvPr>
-            <p:ph type="title"/>
-          </p:nvPr>
-        </p:nvSpPr>
-        <p:spPr>
-          <a:xfrm rot="-0">
-            <a:off x="0" y="0"/>
-            <a:ext cx="12192000" cy="1013635"/>
-          </a:xfrm>
-        </p:spPr>
-        <p:txBody>
-          <a:bodyPr/>
-          <a:lstStyle/>
-          <a:p>
-            <a:r>
-              <a:rPr/>
-              <a:t>Plotting white noise (1)</a:t>
-            </a:r>
-          </a:p>
-        </p:txBody>
-      </p:sp>
-      <p:sp xmlns:a="http://schemas.openxmlformats.org/drawingml/2006/main" xmlns:r="http://schemas.openxmlformats.org/officeDocument/2006/relationships" xmlns:p="http://schemas.openxmlformats.org/presentationml/2006/main">
-        <p:nvSpPr>
-          <p:cNvPr id="3" name="Content Placeholder 2"/>
-          <p:cNvSpPr>
-            <a:spLocks noGrp="1"/>
-          </p:cNvSpPr>
-          <p:nvPr>
-            <p:ph sz="half" idx="1"/>
-          </p:nvPr>
-        </p:nvSpPr>
-        <p:spPr>
-          <a:xfrm rot="-0">
-            <a:off x="250521" y="1205547"/>
-            <a:ext cx="5769279" cy="4971416"/>
-          </a:xfrm>
-        </p:spPr>
-        <p:txBody>
-          <a:bodyPr/>
-          <a:lstStyle/>
-          <a:p>
-            <a:r>
-              <a:rPr/>
-              <a:t/>
-            </a:r>
-            <a:r xmlns:a="http://schemas.openxmlformats.org/drawingml/2006/main" xmlns:r="http://schemas.openxmlformats.org/officeDocument/2006/relationships" xmlns:p="http://schemas.openxmlformats.org/presentationml/2006/main">
-              <a:rPr cap="none">
-                <a:solidFill>
-                  <a:srgbClr val="000000">
-                    <a:alpha val="100000"/>
-                  </a:srgbClr>
-                </a:solidFill>
-                <a:latin typeface=""/>
-                <a:cs typeface=""/>
-              </a:rPr>
-              <a:t>A list of ggplot objects was created</a:t>
-            </a:r>
-          </a:p>
-          <a:p xmlns:a="http://schemas.openxmlformats.org/drawingml/2006/main" xmlns:r="http://schemas.openxmlformats.org/officeDocument/2006/relationships" xmlns:p="http://schemas.openxmlformats.org/presentationml/2006/main">
-            <a:r xmlns:a="http://schemas.openxmlformats.org/drawingml/2006/main" xmlns:r="http://schemas.openxmlformats.org/officeDocument/2006/relationships" xmlns:p="http://schemas.openxmlformats.org/presentationml/2006/main">
-              <a:rPr cap="none">
-                <a:solidFill>
-                  <a:srgbClr val="000000">
-                    <a:alpha val="100000"/>
-                  </a:srgbClr>
-                </a:solidFill>
-                <a:latin typeface=""/>
-                <a:cs typeface=""/>
-              </a:rPr>
-              <a:t>Called </a:t>
-            </a:r>
-            <a:r xmlns:a="http://schemas.openxmlformats.org/drawingml/2006/main" xmlns:r="http://schemas.openxmlformats.org/officeDocument/2006/relationships" xmlns:p="http://schemas.openxmlformats.org/presentationml/2006/main">
-              <a:rPr cap="none" b="1">
-                <a:solidFill>
-                  <a:srgbClr val="000000">
-                    <a:alpha val="100000"/>
-                  </a:srgbClr>
-                </a:solidFill>
-                <a:latin typeface="Consolas"/>
-                <a:cs typeface="Consolas"/>
-              </a:rPr>
-              <a:t>IQRoutputFigure</a:t>
-            </a:r>
-            <a:r xmlns:a="http://schemas.openxmlformats.org/drawingml/2006/main" xmlns:r="http://schemas.openxmlformats.org/officeDocument/2006/relationships" xmlns:p="http://schemas.openxmlformats.org/presentationml/2006/main">
-              <a:rPr cap="none">
-                <a:solidFill>
-                  <a:srgbClr val="000000">
-                    <a:alpha val="100000"/>
-                  </a:srgbClr>
-                </a:solidFill>
-                <a:latin typeface=""/>
-                <a:cs typeface=""/>
-              </a:rPr>
-              <a:t> with arguments </a:t>
-            </a:r>
-            <a:r xmlns:a="http://schemas.openxmlformats.org/drawingml/2006/main" xmlns:r="http://schemas.openxmlformats.org/officeDocument/2006/relationships" xmlns:p="http://schemas.openxmlformats.org/presentationml/2006/main">
-              <a:rPr cap="none">
-                <a:solidFill>
-                  <a:srgbClr val="000000">
-                    <a:alpha val="100000"/>
-                  </a:srgbClr>
-                </a:solidFill>
-                <a:latin typeface="Consolas"/>
-                <a:cs typeface="Consolas"/>
-              </a:rPr>
-              <a:t>nrow</a:t>
-            </a:r>
-            <a:r xmlns:a="http://schemas.openxmlformats.org/drawingml/2006/main" xmlns:r="http://schemas.openxmlformats.org/officeDocument/2006/relationships" xmlns:p="http://schemas.openxmlformats.org/presentationml/2006/main">
-              <a:rPr cap="none">
-                <a:solidFill>
-                  <a:srgbClr val="000000">
-                    <a:alpha val="100000"/>
-                  </a:srgbClr>
-                </a:solidFill>
-                <a:latin typeface=""/>
-                <a:cs typeface=""/>
-              </a:rPr>
-              <a:t>, </a:t>
-            </a:r>
-            <a:r xmlns:a="http://schemas.openxmlformats.org/drawingml/2006/main" xmlns:r="http://schemas.openxmlformats.org/officeDocument/2006/relationships" xmlns:p="http://schemas.openxmlformats.org/presentationml/2006/main">
-              <a:rPr cap="none">
-                <a:solidFill>
-                  <a:srgbClr val="000000">
-                    <a:alpha val="100000"/>
-                  </a:srgbClr>
-                </a:solidFill>
-                <a:latin typeface="Consolas"/>
-                <a:cs typeface="Consolas"/>
-              </a:rPr>
-              <a:t>ncol</a:t>
-            </a:r>
-            <a:r xmlns:a="http://schemas.openxmlformats.org/drawingml/2006/main" xmlns:r="http://schemas.openxmlformats.org/officeDocument/2006/relationships" xmlns:p="http://schemas.openxmlformats.org/presentationml/2006/main">
-              <a:rPr cap="none">
-                <a:solidFill>
-                  <a:srgbClr val="000000">
-                    <a:alpha val="100000"/>
-                  </a:srgbClr>
-                </a:solidFill>
-                <a:latin typeface=""/>
-                <a:cs typeface=""/>
-              </a:rPr>
-              <a:t>, </a:t>
-            </a:r>
-            <a:r xmlns:a="http://schemas.openxmlformats.org/drawingml/2006/main" xmlns:r="http://schemas.openxmlformats.org/officeDocument/2006/relationships" xmlns:p="http://schemas.openxmlformats.org/presentationml/2006/main">
-              <a:rPr cap="none">
-                <a:solidFill>
-                  <a:srgbClr val="000000">
-                    <a:alpha val="100000"/>
-                  </a:srgbClr>
-                </a:solidFill>
-                <a:latin typeface="Consolas"/>
-                <a:cs typeface="Consolas"/>
-              </a:rPr>
-              <a:t>footer</a:t>
-            </a:r>
-            <a:r xmlns:a="http://schemas.openxmlformats.org/drawingml/2006/main" xmlns:r="http://schemas.openxmlformats.org/officeDocument/2006/relationships" xmlns:p="http://schemas.openxmlformats.org/presentationml/2006/main">
-              <a:rPr cap="none">
-                <a:solidFill>
-                  <a:srgbClr val="000000">
-                    <a:alpha val="100000"/>
-                  </a:srgbClr>
-                </a:solidFill>
-                <a:latin typeface=""/>
-                <a:cs typeface=""/>
-              </a:rPr>
-              <a:t> and </a:t>
-            </a:r>
-            <a:r xmlns:a="http://schemas.openxmlformats.org/drawingml/2006/main" xmlns:r="http://schemas.openxmlformats.org/officeDocument/2006/relationships" xmlns:p="http://schemas.openxmlformats.org/presentationml/2006/main">
-              <a:rPr cap="none">
-                <a:solidFill>
-                  <a:srgbClr val="000000">
-                    <a:alpha val="100000"/>
-                  </a:srgbClr>
-                </a:solidFill>
-                <a:latin typeface="Consolas"/>
-                <a:cs typeface="Consolas"/>
-              </a:rPr>
-              <a:t>filename</a:t>
-            </a:r>
-          </a:p>
-          <a:p xmlns:a="http://schemas.openxmlformats.org/drawingml/2006/main" xmlns:r="http://schemas.openxmlformats.org/officeDocument/2006/relationships" xmlns:p="http://schemas.openxmlformats.org/presentationml/2006/main">
-            <a:r xmlns:a="http://schemas.openxmlformats.org/drawingml/2006/main" xmlns:r="http://schemas.openxmlformats.org/officeDocument/2006/relationships" xmlns:p="http://schemas.openxmlformats.org/presentationml/2006/main">
-              <a:rPr cap="none">
-                <a:solidFill>
-                  <a:srgbClr val="000000">
-                    <a:alpha val="100000"/>
-                  </a:srgbClr>
-                </a:solidFill>
-                <a:latin typeface=""/>
-                <a:cs typeface=""/>
-              </a:rPr>
-              <a:t>Called </a:t>
-            </a:r>
-            <a:r xmlns:a="http://schemas.openxmlformats.org/drawingml/2006/main" xmlns:r="http://schemas.openxmlformats.org/officeDocument/2006/relationships" xmlns:p="http://schemas.openxmlformats.org/presentationml/2006/main">
-              <a:rPr cap="none">
-                <a:solidFill>
-                  <a:srgbClr val="000000">
-                    <a:alpha val="100000"/>
-                  </a:srgbClr>
-                </a:solidFill>
-                <a:latin typeface="Consolas"/>
-                <a:cs typeface="Consolas"/>
-              </a:rPr>
-              <a:t>IQRoutputPPTX</a:t>
-            </a:r>
-            <a:r xmlns:a="http://schemas.openxmlformats.org/drawingml/2006/main" xmlns:r="http://schemas.openxmlformats.org/officeDocument/2006/relationships" xmlns:p="http://schemas.openxmlformats.org/presentationml/2006/main">
-              <a:rPr cap="none">
-                <a:solidFill>
-                  <a:srgbClr val="000000">
-                    <a:alpha val="100000"/>
-                  </a:srgbClr>
-                </a:solidFill>
-                <a:latin typeface=""/>
-                <a:cs typeface=""/>
-              </a:rPr>
-              <a:t> with bullet point list and </a:t>
-            </a:r>
-            <a:r xmlns:a="http://schemas.openxmlformats.org/drawingml/2006/main" xmlns:r="http://schemas.openxmlformats.org/officeDocument/2006/relationships" xmlns:p="http://schemas.openxmlformats.org/presentationml/2006/main">
-              <a:rPr cap="none">
-                <a:solidFill>
-                  <a:srgbClr val="000000">
-                    <a:alpha val="100000"/>
-                  </a:srgbClr>
-                </a:solidFill>
-                <a:latin typeface="Consolas"/>
-                <a:cs typeface="Consolas"/>
-              </a:rPr>
-              <a:t>IQRoutputFigure</a:t>
-            </a:r>
-            <a:r xmlns:a="http://schemas.openxmlformats.org/drawingml/2006/main" xmlns:r="http://schemas.openxmlformats.org/officeDocument/2006/relationships" xmlns:p="http://schemas.openxmlformats.org/presentationml/2006/main">
-              <a:rPr cap="none">
-                <a:solidFill>
-                  <a:srgbClr val="000000">
-                    <a:alpha val="100000"/>
-                  </a:srgbClr>
-                </a:solidFill>
-                <a:latin typeface=""/>
-                <a:cs typeface=""/>
-              </a:rPr>
-              <a:t> object.</a:t>
-            </a:r>
-          </a:p>
-        </p:txBody>
-      </p:sp>
-      <p:pic xmlns:a="http://schemas.openxmlformats.org/drawingml/2006/main" xmlns:r="http://schemas.openxmlformats.org/officeDocument/2006/relationships" xmlns:p="http://schemas.openxmlformats.org/presentationml/2006/main">
-        <p:nvPicPr>
-          <p:cNvPr id="4" name="Content Placeholder 3"/>
-          <p:cNvPicPr/>
-          <p:nvPr/>
-        </p:nvPicPr>
-        <p:blipFill>
-          <a:blip cstate="print" r:embed="rId2"/>
-          <a:stretch>
-            <a:fillRect/>
-          </a:stretch>
-        </p:blipFill>
-        <p:spPr>
-          <a:xfrm>
-            <a:off x="6172199" y="1205548"/>
-            <a:ext cx="5727527" cy="4446906"/>
-          </a:xfrm>
-          <a:prstGeom prst="rect">
-            <a:avLst/>
-          </a:prstGeom>
-        </p:spPr>
-      </p:pic>
-      <p:sp xmlns:a="http://schemas.openxmlformats.org/drawingml/2006/main" xmlns:r="http://schemas.openxmlformats.org/officeDocument/2006/relationships" xmlns:p="http://schemas.openxmlformats.org/presentationml/2006/main">
-        <p:nvSpPr>
-          <p:cNvPr id="5" name="Text Placeholder 2"/>
-          <p:cNvSpPr>
-            <a:spLocks noGrp="1"/>
-          </p:cNvSpPr>
-          <p:nvPr>
-            <p:ph type="body" sz="quarter" idx="13"/>
-          </p:nvPr>
-        </p:nvSpPr>
-        <p:spPr>
-          <a:xfrm rot="-0">
-            <a:off x="6172201" y="5731330"/>
-            <a:ext cx="5727526" cy="445634"/>
-          </a:xfrm>
-        </p:spPr>
-        <p:txBody>
-          <a:bodyPr/>
-          <a:lstStyle/>
-          <a:p>
-            <a:r>
-              <a:rPr/>
-              <a:t>File: ../Output/01_test/normal_distributions.pdf</a:t>
-            </a:r>
-          </a:p>
-        </p:txBody>
-      </p:sp>
-      <p:sp xmlns:a="http://schemas.openxmlformats.org/drawingml/2006/main" xmlns:r="http://schemas.openxmlformats.org/officeDocument/2006/relationships" xmlns:p="http://schemas.openxmlformats.org/presentationml/2006/main">
-        <p:nvSpPr>
-          <p:cNvPr id="6" name="Footer Placeholder 5"/>
-          <p:cNvSpPr>
-            <a:spLocks noGrp="1"/>
-          </p:cNvSpPr>
-          <p:nvPr>
-            <p:ph type="ftr" sz="quarter" idx="11"/>
-          </p:nvPr>
-        </p:nvSpPr>
-        <p:spPr>
-          <a:xfrm rot="-0">
-            <a:off x="3144033" y="6356350"/>
-            <a:ext cx="5842763" cy="365125"/>
-          </a:xfrm>
-        </p:spPr>
-        <p:txBody>
-          <a:bodyPr/>
-          <a:lstStyle/>
-          <a:p>
-            <a:r>
-              <a:rPr/>
-              <a:t>IQSlidedeck_IQRobjects.R | Date: 2020-04-23 12:36:15</a:t>
-            </a:r>
-          </a:p>
-        </p:txBody>
-      </p:sp>
-    </p:spTree>
-  </p:cSld>
-  <p:clrMapOvr>
-    <a:masterClrMapping/>
-  </p:clrMapOvr>
-</p:sld>
-</file>
-
-<file path=ppt/slides/slide15.xml><?xml version="1.0" encoding="utf-8"?>
-<p:sld xmlns:a="http://schemas.openxmlformats.org/drawingml/2006/main" xmlns:r="http://schemas.openxmlformats.org/officeDocument/2006/relationships" xmlns:p="http://schemas.openxmlformats.org/presentationml/2006/main">
-  <p:cSld>
-    <p:spTree>
-      <p:nvGrpSpPr>
-        <p:cNvPr id="1" name=""/>
-        <p:cNvGrpSpPr/>
-        <p:nvPr/>
-      </p:nvGrpSpPr>
-      <p:grpSpPr>
-        <a:xfrm>
-          <a:off x="0" y="0"/>
-          <a:ext cx="0" cy="0"/>
-          <a:chOff x="0" y="0"/>
-          <a:chExt cx="0" cy="0"/>
-        </a:xfrm>
-      </p:grpSpPr>
-      <p:sp xmlns:a="http://schemas.openxmlformats.org/drawingml/2006/main" xmlns:r="http://schemas.openxmlformats.org/officeDocument/2006/relationships" xmlns:p="http://schemas.openxmlformats.org/presentationml/2006/main">
-        <p:nvSpPr>
-          <p:cNvPr id="2" name="Title 1"/>
-          <p:cNvSpPr>
-            <a:spLocks noGrp="1"/>
-          </p:cNvSpPr>
-          <p:nvPr>
-            <p:ph type="title"/>
-          </p:nvPr>
-        </p:nvSpPr>
-        <p:spPr>
-          <a:xfrm rot="-0">
-            <a:off x="0" y="0"/>
-            <a:ext cx="12192000" cy="1013635"/>
-          </a:xfrm>
-        </p:spPr>
-        <p:txBody>
-          <a:bodyPr/>
-          <a:lstStyle/>
-          <a:p>
-            <a:r>
-              <a:rPr/>
-              <a:t>Plotting white noise (2)</a:t>
-            </a:r>
-          </a:p>
-        </p:txBody>
-      </p:sp>
-      <p:sp xmlns:a="http://schemas.openxmlformats.org/drawingml/2006/main" xmlns:r="http://schemas.openxmlformats.org/officeDocument/2006/relationships" xmlns:p="http://schemas.openxmlformats.org/presentationml/2006/main">
-        <p:nvSpPr>
-          <p:cNvPr id="3" name="Content Placeholder 2"/>
-          <p:cNvSpPr>
-            <a:spLocks noGrp="1"/>
-          </p:cNvSpPr>
-          <p:nvPr>
-            <p:ph sz="half" idx="1"/>
-          </p:nvPr>
-        </p:nvSpPr>
-        <p:spPr>
-          <a:xfrm rot="-0">
-            <a:off x="250521" y="1205547"/>
-            <a:ext cx="5769279" cy="4971416"/>
-          </a:xfrm>
-        </p:spPr>
-        <p:txBody>
-          <a:bodyPr/>
-          <a:lstStyle/>
-          <a:p>
-            <a:r>
-              <a:rPr/>
-              <a:t/>
-            </a:r>
-            <a:r xmlns:a="http://schemas.openxmlformats.org/drawingml/2006/main" xmlns:r="http://schemas.openxmlformats.org/officeDocument/2006/relationships" xmlns:p="http://schemas.openxmlformats.org/presentationml/2006/main">
-              <a:rPr cap="none">
-                <a:solidFill>
-                  <a:srgbClr val="000000">
-                    <a:alpha val="100000"/>
-                  </a:srgbClr>
-                </a:solidFill>
-                <a:latin typeface=""/>
-                <a:cs typeface=""/>
-              </a:rPr>
-              <a:t>A list of ggplot objects was created</a:t>
-            </a:r>
-          </a:p>
-          <a:p xmlns:a="http://schemas.openxmlformats.org/drawingml/2006/main" xmlns:r="http://schemas.openxmlformats.org/officeDocument/2006/relationships" xmlns:p="http://schemas.openxmlformats.org/presentationml/2006/main">
-            <a:r xmlns:a="http://schemas.openxmlformats.org/drawingml/2006/main" xmlns:r="http://schemas.openxmlformats.org/officeDocument/2006/relationships" xmlns:p="http://schemas.openxmlformats.org/presentationml/2006/main">
-              <a:rPr cap="none">
-                <a:solidFill>
-                  <a:srgbClr val="000000">
-                    <a:alpha val="100000"/>
-                  </a:srgbClr>
-                </a:solidFill>
-                <a:latin typeface=""/>
-                <a:cs typeface=""/>
-              </a:rPr>
-              <a:t>Called </a:t>
-            </a:r>
-            <a:r xmlns:a="http://schemas.openxmlformats.org/drawingml/2006/main" xmlns:r="http://schemas.openxmlformats.org/officeDocument/2006/relationships" xmlns:p="http://schemas.openxmlformats.org/presentationml/2006/main">
-              <a:rPr cap="none" b="1">
-                <a:solidFill>
-                  <a:srgbClr val="000000">
-                    <a:alpha val="100000"/>
-                  </a:srgbClr>
-                </a:solidFill>
-                <a:latin typeface="Consolas"/>
-                <a:cs typeface="Consolas"/>
-              </a:rPr>
-              <a:t>IQRoutputFigure</a:t>
-            </a:r>
-            <a:r xmlns:a="http://schemas.openxmlformats.org/drawingml/2006/main" xmlns:r="http://schemas.openxmlformats.org/officeDocument/2006/relationships" xmlns:p="http://schemas.openxmlformats.org/presentationml/2006/main">
-              <a:rPr cap="none">
-                <a:solidFill>
-                  <a:srgbClr val="000000">
-                    <a:alpha val="100000"/>
-                  </a:srgbClr>
-                </a:solidFill>
-                <a:latin typeface=""/>
-                <a:cs typeface=""/>
-              </a:rPr>
-              <a:t> with arguments </a:t>
-            </a:r>
-            <a:r xmlns:a="http://schemas.openxmlformats.org/drawingml/2006/main" xmlns:r="http://schemas.openxmlformats.org/officeDocument/2006/relationships" xmlns:p="http://schemas.openxmlformats.org/presentationml/2006/main">
-              <a:rPr cap="none">
-                <a:solidFill>
-                  <a:srgbClr val="000000">
-                    <a:alpha val="100000"/>
-                  </a:srgbClr>
-                </a:solidFill>
-                <a:latin typeface="Consolas"/>
-                <a:cs typeface="Consolas"/>
-              </a:rPr>
-              <a:t>nrow</a:t>
-            </a:r>
-            <a:r xmlns:a="http://schemas.openxmlformats.org/drawingml/2006/main" xmlns:r="http://schemas.openxmlformats.org/officeDocument/2006/relationships" xmlns:p="http://schemas.openxmlformats.org/presentationml/2006/main">
-              <a:rPr cap="none">
-                <a:solidFill>
-                  <a:srgbClr val="000000">
-                    <a:alpha val="100000"/>
-                  </a:srgbClr>
-                </a:solidFill>
-                <a:latin typeface=""/>
-                <a:cs typeface=""/>
-              </a:rPr>
-              <a:t>, </a:t>
-            </a:r>
-            <a:r xmlns:a="http://schemas.openxmlformats.org/drawingml/2006/main" xmlns:r="http://schemas.openxmlformats.org/officeDocument/2006/relationships" xmlns:p="http://schemas.openxmlformats.org/presentationml/2006/main">
-              <a:rPr cap="none">
-                <a:solidFill>
-                  <a:srgbClr val="000000">
-                    <a:alpha val="100000"/>
-                  </a:srgbClr>
-                </a:solidFill>
-                <a:latin typeface="Consolas"/>
-                <a:cs typeface="Consolas"/>
-              </a:rPr>
-              <a:t>ncol</a:t>
-            </a:r>
-            <a:r xmlns:a="http://schemas.openxmlformats.org/drawingml/2006/main" xmlns:r="http://schemas.openxmlformats.org/officeDocument/2006/relationships" xmlns:p="http://schemas.openxmlformats.org/presentationml/2006/main">
-              <a:rPr cap="none">
-                <a:solidFill>
-                  <a:srgbClr val="000000">
-                    <a:alpha val="100000"/>
-                  </a:srgbClr>
-                </a:solidFill>
-                <a:latin typeface=""/>
-                <a:cs typeface=""/>
-              </a:rPr>
-              <a:t>, </a:t>
-            </a:r>
-            <a:r xmlns:a="http://schemas.openxmlformats.org/drawingml/2006/main" xmlns:r="http://schemas.openxmlformats.org/officeDocument/2006/relationships" xmlns:p="http://schemas.openxmlformats.org/presentationml/2006/main">
-              <a:rPr cap="none">
-                <a:solidFill>
-                  <a:srgbClr val="000000">
-                    <a:alpha val="100000"/>
-                  </a:srgbClr>
-                </a:solidFill>
-                <a:latin typeface="Consolas"/>
-                <a:cs typeface="Consolas"/>
-              </a:rPr>
-              <a:t>footer</a:t>
-            </a:r>
-            <a:r xmlns:a="http://schemas.openxmlformats.org/drawingml/2006/main" xmlns:r="http://schemas.openxmlformats.org/officeDocument/2006/relationships" xmlns:p="http://schemas.openxmlformats.org/presentationml/2006/main">
-              <a:rPr cap="none">
-                <a:solidFill>
-                  <a:srgbClr val="000000">
-                    <a:alpha val="100000"/>
-                  </a:srgbClr>
-                </a:solidFill>
-                <a:latin typeface=""/>
-                <a:cs typeface=""/>
-              </a:rPr>
-              <a:t> and </a:t>
-            </a:r>
-            <a:r xmlns:a="http://schemas.openxmlformats.org/drawingml/2006/main" xmlns:r="http://schemas.openxmlformats.org/officeDocument/2006/relationships" xmlns:p="http://schemas.openxmlformats.org/presentationml/2006/main">
-              <a:rPr cap="none">
-                <a:solidFill>
-                  <a:srgbClr val="000000">
-                    <a:alpha val="100000"/>
-                  </a:srgbClr>
-                </a:solidFill>
-                <a:latin typeface="Consolas"/>
-                <a:cs typeface="Consolas"/>
-              </a:rPr>
-              <a:t>filename</a:t>
-            </a:r>
-          </a:p>
-          <a:p xmlns:a="http://schemas.openxmlformats.org/drawingml/2006/main" xmlns:r="http://schemas.openxmlformats.org/officeDocument/2006/relationships" xmlns:p="http://schemas.openxmlformats.org/presentationml/2006/main">
-            <a:r xmlns:a="http://schemas.openxmlformats.org/drawingml/2006/main" xmlns:r="http://schemas.openxmlformats.org/officeDocument/2006/relationships" xmlns:p="http://schemas.openxmlformats.org/presentationml/2006/main">
-              <a:rPr cap="none">
-                <a:solidFill>
-                  <a:srgbClr val="000000">
-                    <a:alpha val="100000"/>
-                  </a:srgbClr>
-                </a:solidFill>
-                <a:latin typeface=""/>
-                <a:cs typeface=""/>
-              </a:rPr>
-              <a:t>Called </a:t>
-            </a:r>
-            <a:r xmlns:a="http://schemas.openxmlformats.org/drawingml/2006/main" xmlns:r="http://schemas.openxmlformats.org/officeDocument/2006/relationships" xmlns:p="http://schemas.openxmlformats.org/presentationml/2006/main">
-              <a:rPr cap="none">
-                <a:solidFill>
-                  <a:srgbClr val="000000">
-                    <a:alpha val="100000"/>
-                  </a:srgbClr>
-                </a:solidFill>
-                <a:latin typeface="Consolas"/>
-                <a:cs typeface="Consolas"/>
-              </a:rPr>
-              <a:t>IQRoutputPPTX</a:t>
-            </a:r>
-            <a:r xmlns:a="http://schemas.openxmlformats.org/drawingml/2006/main" xmlns:r="http://schemas.openxmlformats.org/officeDocument/2006/relationships" xmlns:p="http://schemas.openxmlformats.org/presentationml/2006/main">
-              <a:rPr cap="none">
-                <a:solidFill>
-                  <a:srgbClr val="000000">
-                    <a:alpha val="100000"/>
-                  </a:srgbClr>
-                </a:solidFill>
-                <a:latin typeface=""/>
-                <a:cs typeface=""/>
-              </a:rPr>
-              <a:t> with bullet point list and </a:t>
-            </a:r>
-            <a:r xmlns:a="http://schemas.openxmlformats.org/drawingml/2006/main" xmlns:r="http://schemas.openxmlformats.org/officeDocument/2006/relationships" xmlns:p="http://schemas.openxmlformats.org/presentationml/2006/main">
-              <a:rPr cap="none">
-                <a:solidFill>
-                  <a:srgbClr val="000000">
-                    <a:alpha val="100000"/>
-                  </a:srgbClr>
-                </a:solidFill>
-                <a:latin typeface="Consolas"/>
-                <a:cs typeface="Consolas"/>
-              </a:rPr>
-              <a:t>IQRoutputFigure</a:t>
-            </a:r>
-            <a:r xmlns:a="http://schemas.openxmlformats.org/drawingml/2006/main" xmlns:r="http://schemas.openxmlformats.org/officeDocument/2006/relationships" xmlns:p="http://schemas.openxmlformats.org/presentationml/2006/main">
-              <a:rPr cap="none">
-                <a:solidFill>
-                  <a:srgbClr val="000000">
-                    <a:alpha val="100000"/>
-                  </a:srgbClr>
-                </a:solidFill>
-                <a:latin typeface=""/>
-                <a:cs typeface=""/>
-              </a:rPr>
-              <a:t> object.</a:t>
-            </a:r>
-          </a:p>
-        </p:txBody>
-      </p:sp>
-      <p:pic xmlns:a="http://schemas.openxmlformats.org/drawingml/2006/main" xmlns:r="http://schemas.openxmlformats.org/officeDocument/2006/relationships" xmlns:p="http://schemas.openxmlformats.org/presentationml/2006/main">
-        <p:nvPicPr>
-          <p:cNvPr id="4" name="Content Placeholder 3"/>
-          <p:cNvPicPr/>
-          <p:nvPr/>
-        </p:nvPicPr>
-        <p:blipFill>
-          <a:blip cstate="print" r:embed="rId2"/>
-          <a:stretch>
-            <a:fillRect/>
-          </a:stretch>
-        </p:blipFill>
-        <p:spPr>
-          <a:xfrm>
-            <a:off x="6172199" y="1205548"/>
-            <a:ext cx="5727527" cy="4446906"/>
-          </a:xfrm>
-          <a:prstGeom prst="rect">
-            <a:avLst/>
-          </a:prstGeom>
-        </p:spPr>
-      </p:pic>
-      <p:sp xmlns:a="http://schemas.openxmlformats.org/drawingml/2006/main" xmlns:r="http://schemas.openxmlformats.org/officeDocument/2006/relationships" xmlns:p="http://schemas.openxmlformats.org/presentationml/2006/main">
-        <p:nvSpPr>
-          <p:cNvPr id="5" name="Text Placeholder 2"/>
-          <p:cNvSpPr>
-            <a:spLocks noGrp="1"/>
-          </p:cNvSpPr>
-          <p:nvPr>
-            <p:ph type="body" sz="quarter" idx="13"/>
-          </p:nvPr>
-        </p:nvSpPr>
-        <p:spPr>
-          <a:xfrm rot="-0">
-            <a:off x="6172201" y="5731330"/>
-            <a:ext cx="5727526" cy="445634"/>
-          </a:xfrm>
-        </p:spPr>
-        <p:txBody>
-          <a:bodyPr/>
-          <a:lstStyle/>
-          <a:p>
-            <a:r>
-              <a:rPr/>
-              <a:t>File: ../Output/01_test/normal_distributions.pdf</a:t>
-            </a:r>
-          </a:p>
-        </p:txBody>
-      </p:sp>
-      <p:sp xmlns:a="http://schemas.openxmlformats.org/drawingml/2006/main" xmlns:r="http://schemas.openxmlformats.org/officeDocument/2006/relationships" xmlns:p="http://schemas.openxmlformats.org/presentationml/2006/main">
-        <p:nvSpPr>
-          <p:cNvPr id="6" name="Footer Placeholder 5"/>
-          <p:cNvSpPr>
-            <a:spLocks noGrp="1"/>
-          </p:cNvSpPr>
-          <p:nvPr>
-            <p:ph type="ftr" sz="quarter" idx="11"/>
-          </p:nvPr>
-        </p:nvSpPr>
-        <p:spPr>
-          <a:xfrm rot="-0">
-            <a:off x="3144033" y="6356350"/>
-            <a:ext cx="5842763" cy="365125"/>
-          </a:xfrm>
-        </p:spPr>
-        <p:txBody>
-          <a:bodyPr/>
-          <a:lstStyle/>
-          <a:p>
-            <a:r>
-              <a:rPr/>
-              <a:t>IQSlidedeck_IQRobjects.R | Date: 2020-04-23 12:36:15</a:t>
-            </a:r>
-          </a:p>
-        </p:txBody>
-      </p:sp>
-    </p:spTree>
-  </p:cSld>
-  <p:clrMapOvr>
-    <a:masterClrMapping/>
-  </p:clrMapOvr>
-</p:sld>
-</file>
-
-<file path=ppt/slides/slide16.xml><?xml version="1.0" encoding="utf-8"?>
-<p:sld xmlns:a="http://schemas.openxmlformats.org/drawingml/2006/main" xmlns:r="http://schemas.openxmlformats.org/officeDocument/2006/relationships" xmlns:p="http://schemas.openxmlformats.org/presentationml/2006/main">
-  <p:cSld>
-    <p:spTree>
-      <p:nvGrpSpPr>
-        <p:cNvPr id="1" name=""/>
-        <p:cNvGrpSpPr/>
-        <p:nvPr/>
-      </p:nvGrpSpPr>
-      <p:grpSpPr>
-        <a:xfrm>
-          <a:off x="0" y="0"/>
-          <a:ext cx="0" cy="0"/>
-          <a:chOff x="0" y="0"/>
-          <a:chExt cx="0" cy="0"/>
-        </a:xfrm>
-      </p:grpSpPr>
-      <p:sp xmlns:a="http://schemas.openxmlformats.org/drawingml/2006/main" xmlns:r="http://schemas.openxmlformats.org/officeDocument/2006/relationships" xmlns:p="http://schemas.openxmlformats.org/presentationml/2006/main">
-        <p:nvSpPr>
-          <p:cNvPr id="2" name="Title 1"/>
-          <p:cNvSpPr>
-            <a:spLocks noGrp="1"/>
-          </p:cNvSpPr>
-          <p:nvPr>
-            <p:ph type="title"/>
-          </p:nvPr>
-        </p:nvSpPr>
-        <p:spPr>
-          <a:xfrm rot="-0">
-            <a:off x="0" y="0"/>
-            <a:ext cx="12192000" cy="1013635"/>
-          </a:xfrm>
-        </p:spPr>
-        <p:txBody>
-          <a:bodyPr/>
-          <a:lstStyle/>
-          <a:p>
-            <a:r>
-              <a:rPr/>
-              <a:t>Plotting white noise (3)</a:t>
-            </a:r>
-          </a:p>
-        </p:txBody>
-      </p:sp>
-      <p:sp xmlns:a="http://schemas.openxmlformats.org/drawingml/2006/main" xmlns:r="http://schemas.openxmlformats.org/officeDocument/2006/relationships" xmlns:p="http://schemas.openxmlformats.org/presentationml/2006/main">
-        <p:nvSpPr>
-          <p:cNvPr id="3" name="Content Placeholder 2"/>
-          <p:cNvSpPr>
-            <a:spLocks noGrp="1"/>
-          </p:cNvSpPr>
-          <p:nvPr>
-            <p:ph sz="half" idx="1"/>
-          </p:nvPr>
-        </p:nvSpPr>
-        <p:spPr>
-          <a:xfrm rot="-0">
-            <a:off x="250521" y="1205547"/>
-            <a:ext cx="5769279" cy="4971416"/>
-          </a:xfrm>
-        </p:spPr>
-        <p:txBody>
-          <a:bodyPr/>
-          <a:lstStyle/>
-          <a:p>
-            <a:r>
-              <a:rPr/>
-              <a:t/>
-            </a:r>
-            <a:r xmlns:a="http://schemas.openxmlformats.org/drawingml/2006/main" xmlns:r="http://schemas.openxmlformats.org/officeDocument/2006/relationships" xmlns:p="http://schemas.openxmlformats.org/presentationml/2006/main">
-              <a:rPr cap="none">
-                <a:solidFill>
-                  <a:srgbClr val="000000">
-                    <a:alpha val="100000"/>
-                  </a:srgbClr>
-                </a:solidFill>
-                <a:latin typeface=""/>
-                <a:cs typeface=""/>
-              </a:rPr>
-              <a:t>A list of ggplot objects was created</a:t>
-            </a:r>
-          </a:p>
-          <a:p xmlns:a="http://schemas.openxmlformats.org/drawingml/2006/main" xmlns:r="http://schemas.openxmlformats.org/officeDocument/2006/relationships" xmlns:p="http://schemas.openxmlformats.org/presentationml/2006/main">
-            <a:r xmlns:a="http://schemas.openxmlformats.org/drawingml/2006/main" xmlns:r="http://schemas.openxmlformats.org/officeDocument/2006/relationships" xmlns:p="http://schemas.openxmlformats.org/presentationml/2006/main">
-              <a:rPr cap="none">
-                <a:solidFill>
-                  <a:srgbClr val="000000">
-                    <a:alpha val="100000"/>
-                  </a:srgbClr>
-                </a:solidFill>
-                <a:latin typeface=""/>
-                <a:cs typeface=""/>
-              </a:rPr>
-              <a:t>Called </a:t>
-            </a:r>
-            <a:r xmlns:a="http://schemas.openxmlformats.org/drawingml/2006/main" xmlns:r="http://schemas.openxmlformats.org/officeDocument/2006/relationships" xmlns:p="http://schemas.openxmlformats.org/presentationml/2006/main">
-              <a:rPr cap="none" b="1">
-                <a:solidFill>
-                  <a:srgbClr val="000000">
-                    <a:alpha val="100000"/>
-                  </a:srgbClr>
-                </a:solidFill>
-                <a:latin typeface="Consolas"/>
-                <a:cs typeface="Consolas"/>
-              </a:rPr>
-              <a:t>IQRoutputFigure</a:t>
-            </a:r>
-            <a:r xmlns:a="http://schemas.openxmlformats.org/drawingml/2006/main" xmlns:r="http://schemas.openxmlformats.org/officeDocument/2006/relationships" xmlns:p="http://schemas.openxmlformats.org/presentationml/2006/main">
-              <a:rPr cap="none">
-                <a:solidFill>
-                  <a:srgbClr val="000000">
-                    <a:alpha val="100000"/>
-                  </a:srgbClr>
-                </a:solidFill>
-                <a:latin typeface=""/>
-                <a:cs typeface=""/>
-              </a:rPr>
-              <a:t> with arguments </a:t>
-            </a:r>
-            <a:r xmlns:a="http://schemas.openxmlformats.org/drawingml/2006/main" xmlns:r="http://schemas.openxmlformats.org/officeDocument/2006/relationships" xmlns:p="http://schemas.openxmlformats.org/presentationml/2006/main">
-              <a:rPr cap="none">
-                <a:solidFill>
-                  <a:srgbClr val="000000">
-                    <a:alpha val="100000"/>
-                  </a:srgbClr>
-                </a:solidFill>
-                <a:latin typeface="Consolas"/>
-                <a:cs typeface="Consolas"/>
-              </a:rPr>
-              <a:t>nrow</a:t>
-            </a:r>
-            <a:r xmlns:a="http://schemas.openxmlformats.org/drawingml/2006/main" xmlns:r="http://schemas.openxmlformats.org/officeDocument/2006/relationships" xmlns:p="http://schemas.openxmlformats.org/presentationml/2006/main">
-              <a:rPr cap="none">
-                <a:solidFill>
-                  <a:srgbClr val="000000">
-                    <a:alpha val="100000"/>
-                  </a:srgbClr>
-                </a:solidFill>
-                <a:latin typeface=""/>
-                <a:cs typeface=""/>
-              </a:rPr>
-              <a:t>, </a:t>
-            </a:r>
-            <a:r xmlns:a="http://schemas.openxmlformats.org/drawingml/2006/main" xmlns:r="http://schemas.openxmlformats.org/officeDocument/2006/relationships" xmlns:p="http://schemas.openxmlformats.org/presentationml/2006/main">
-              <a:rPr cap="none">
-                <a:solidFill>
-                  <a:srgbClr val="000000">
-                    <a:alpha val="100000"/>
-                  </a:srgbClr>
-                </a:solidFill>
-                <a:latin typeface="Consolas"/>
-                <a:cs typeface="Consolas"/>
-              </a:rPr>
-              <a:t>ncol</a:t>
-            </a:r>
-            <a:r xmlns:a="http://schemas.openxmlformats.org/drawingml/2006/main" xmlns:r="http://schemas.openxmlformats.org/officeDocument/2006/relationships" xmlns:p="http://schemas.openxmlformats.org/presentationml/2006/main">
-              <a:rPr cap="none">
-                <a:solidFill>
-                  <a:srgbClr val="000000">
-                    <a:alpha val="100000"/>
-                  </a:srgbClr>
-                </a:solidFill>
-                <a:latin typeface=""/>
-                <a:cs typeface=""/>
-              </a:rPr>
-              <a:t>, </a:t>
-            </a:r>
-            <a:r xmlns:a="http://schemas.openxmlformats.org/drawingml/2006/main" xmlns:r="http://schemas.openxmlformats.org/officeDocument/2006/relationships" xmlns:p="http://schemas.openxmlformats.org/presentationml/2006/main">
-              <a:rPr cap="none">
-                <a:solidFill>
-                  <a:srgbClr val="000000">
-                    <a:alpha val="100000"/>
-                  </a:srgbClr>
-                </a:solidFill>
-                <a:latin typeface="Consolas"/>
-                <a:cs typeface="Consolas"/>
-              </a:rPr>
-              <a:t>footer</a:t>
-            </a:r>
-            <a:r xmlns:a="http://schemas.openxmlformats.org/drawingml/2006/main" xmlns:r="http://schemas.openxmlformats.org/officeDocument/2006/relationships" xmlns:p="http://schemas.openxmlformats.org/presentationml/2006/main">
-              <a:rPr cap="none">
-                <a:solidFill>
-                  <a:srgbClr val="000000">
-                    <a:alpha val="100000"/>
-                  </a:srgbClr>
-                </a:solidFill>
-                <a:latin typeface=""/>
-                <a:cs typeface=""/>
-              </a:rPr>
-              <a:t> and </a:t>
-            </a:r>
-            <a:r xmlns:a="http://schemas.openxmlformats.org/drawingml/2006/main" xmlns:r="http://schemas.openxmlformats.org/officeDocument/2006/relationships" xmlns:p="http://schemas.openxmlformats.org/presentationml/2006/main">
-              <a:rPr cap="none">
-                <a:solidFill>
-                  <a:srgbClr val="000000">
-                    <a:alpha val="100000"/>
-                  </a:srgbClr>
-                </a:solidFill>
-                <a:latin typeface="Consolas"/>
-                <a:cs typeface="Consolas"/>
-              </a:rPr>
-              <a:t>filename</a:t>
-            </a:r>
-          </a:p>
-          <a:p xmlns:a="http://schemas.openxmlformats.org/drawingml/2006/main" xmlns:r="http://schemas.openxmlformats.org/officeDocument/2006/relationships" xmlns:p="http://schemas.openxmlformats.org/presentationml/2006/main">
-            <a:r xmlns:a="http://schemas.openxmlformats.org/drawingml/2006/main" xmlns:r="http://schemas.openxmlformats.org/officeDocument/2006/relationships" xmlns:p="http://schemas.openxmlformats.org/presentationml/2006/main">
-              <a:rPr cap="none">
-                <a:solidFill>
-                  <a:srgbClr val="000000">
-                    <a:alpha val="100000"/>
-                  </a:srgbClr>
-                </a:solidFill>
-                <a:latin typeface=""/>
-                <a:cs typeface=""/>
-              </a:rPr>
-              <a:t>Called </a:t>
-            </a:r>
-            <a:r xmlns:a="http://schemas.openxmlformats.org/drawingml/2006/main" xmlns:r="http://schemas.openxmlformats.org/officeDocument/2006/relationships" xmlns:p="http://schemas.openxmlformats.org/presentationml/2006/main">
-              <a:rPr cap="none">
-                <a:solidFill>
-                  <a:srgbClr val="000000">
-                    <a:alpha val="100000"/>
-                  </a:srgbClr>
-                </a:solidFill>
-                <a:latin typeface="Consolas"/>
-                <a:cs typeface="Consolas"/>
-              </a:rPr>
-              <a:t>IQRoutputPPTX</a:t>
-            </a:r>
-            <a:r xmlns:a="http://schemas.openxmlformats.org/drawingml/2006/main" xmlns:r="http://schemas.openxmlformats.org/officeDocument/2006/relationships" xmlns:p="http://schemas.openxmlformats.org/presentationml/2006/main">
-              <a:rPr cap="none">
-                <a:solidFill>
-                  <a:srgbClr val="000000">
-                    <a:alpha val="100000"/>
-                  </a:srgbClr>
-                </a:solidFill>
-                <a:latin typeface=""/>
-                <a:cs typeface=""/>
-              </a:rPr>
-              <a:t> with bullet point list and </a:t>
-            </a:r>
-            <a:r xmlns:a="http://schemas.openxmlformats.org/drawingml/2006/main" xmlns:r="http://schemas.openxmlformats.org/officeDocument/2006/relationships" xmlns:p="http://schemas.openxmlformats.org/presentationml/2006/main">
-              <a:rPr cap="none">
-                <a:solidFill>
-                  <a:srgbClr val="000000">
-                    <a:alpha val="100000"/>
-                  </a:srgbClr>
-                </a:solidFill>
-                <a:latin typeface="Consolas"/>
-                <a:cs typeface="Consolas"/>
-              </a:rPr>
-              <a:t>IQRoutputFigure</a:t>
-            </a:r>
-            <a:r xmlns:a="http://schemas.openxmlformats.org/drawingml/2006/main" xmlns:r="http://schemas.openxmlformats.org/officeDocument/2006/relationships" xmlns:p="http://schemas.openxmlformats.org/presentationml/2006/main">
-              <a:rPr cap="none">
-                <a:solidFill>
-                  <a:srgbClr val="000000">
-                    <a:alpha val="100000"/>
-                  </a:srgbClr>
-                </a:solidFill>
-                <a:latin typeface=""/>
-                <a:cs typeface=""/>
-              </a:rPr>
-              <a:t> object.</a:t>
-            </a:r>
-          </a:p>
-        </p:txBody>
-      </p:sp>
-      <p:pic xmlns:a="http://schemas.openxmlformats.org/drawingml/2006/main" xmlns:r="http://schemas.openxmlformats.org/officeDocument/2006/relationships" xmlns:p="http://schemas.openxmlformats.org/presentationml/2006/main">
-        <p:nvPicPr>
-          <p:cNvPr id="4" name="Content Placeholder 3"/>
-          <p:cNvPicPr/>
-          <p:nvPr/>
-        </p:nvPicPr>
-        <p:blipFill>
-          <a:blip cstate="print" r:embed="rId2"/>
-          <a:stretch>
-            <a:fillRect/>
-          </a:stretch>
-        </p:blipFill>
-        <p:spPr>
-          <a:xfrm>
-            <a:off x="6172199" y="1205548"/>
-            <a:ext cx="5727527" cy="4446906"/>
-          </a:xfrm>
-          <a:prstGeom prst="rect">
-            <a:avLst/>
-          </a:prstGeom>
-        </p:spPr>
-      </p:pic>
-      <p:sp xmlns:a="http://schemas.openxmlformats.org/drawingml/2006/main" xmlns:r="http://schemas.openxmlformats.org/officeDocument/2006/relationships" xmlns:p="http://schemas.openxmlformats.org/presentationml/2006/main">
-        <p:nvSpPr>
-          <p:cNvPr id="5" name="Text Placeholder 2"/>
-          <p:cNvSpPr>
-            <a:spLocks noGrp="1"/>
-          </p:cNvSpPr>
-          <p:nvPr>
-            <p:ph type="body" sz="quarter" idx="13"/>
-          </p:nvPr>
-        </p:nvSpPr>
-        <p:spPr>
-          <a:xfrm rot="-0">
-            <a:off x="6172201" y="5731330"/>
-            <a:ext cx="5727526" cy="445634"/>
-          </a:xfrm>
-        </p:spPr>
-        <p:txBody>
-          <a:bodyPr/>
-          <a:lstStyle/>
-          <a:p>
-            <a:r>
-              <a:rPr/>
-              <a:t>File: ../Output/01_test/normal_distributions.pdf</a:t>
-            </a:r>
-          </a:p>
-        </p:txBody>
-      </p:sp>
-      <p:sp xmlns:a="http://schemas.openxmlformats.org/drawingml/2006/main" xmlns:r="http://schemas.openxmlformats.org/officeDocument/2006/relationships" xmlns:p="http://schemas.openxmlformats.org/presentationml/2006/main">
-        <p:nvSpPr>
-          <p:cNvPr id="6" name="Footer Placeholder 5"/>
-          <p:cNvSpPr>
-            <a:spLocks noGrp="1"/>
-          </p:cNvSpPr>
-          <p:nvPr>
-            <p:ph type="ftr" sz="quarter" idx="11"/>
-          </p:nvPr>
-        </p:nvSpPr>
-        <p:spPr>
-          <a:xfrm rot="-0">
-            <a:off x="3144033" y="6356350"/>
-            <a:ext cx="5842763" cy="365125"/>
-          </a:xfrm>
-        </p:spPr>
-        <p:txBody>
-          <a:bodyPr/>
-          <a:lstStyle/>
-          <a:p>
-            <a:r>
-              <a:rPr/>
-              <a:t>IQSlidedeck_IQRobjects.R | Date: 2020-04-23 12:36:15</a:t>
-            </a:r>
-          </a:p>
-        </p:txBody>
-      </p:sp>
-    </p:spTree>
-  </p:cSld>
-  <p:clrMapOvr>
-    <a:masterClrMapping/>
-  </p:clrMapOvr>
-</p:sld>
-</file>
-
-<file path=ppt/slides/slide17.xml><?xml version="1.0" encoding="utf-8"?>
-<p:sld xmlns:a="http://schemas.openxmlformats.org/drawingml/2006/main" xmlns:r="http://schemas.openxmlformats.org/officeDocument/2006/relationships" xmlns:p="http://schemas.openxmlformats.org/presentationml/2006/main">
-  <p:cSld>
-    <p:spTree>
-      <p:nvGrpSpPr>
-        <p:cNvPr id="1" name=""/>
-        <p:cNvGrpSpPr/>
-        <p:nvPr/>
-      </p:nvGrpSpPr>
-      <p:grpSpPr>
-        <a:xfrm>
-          <a:off x="0" y="0"/>
-          <a:ext cx="0" cy="0"/>
-          <a:chOff x="0" y="0"/>
-          <a:chExt cx="0" cy="0"/>
-        </a:xfrm>
-      </p:grpSpPr>
-      <p:sp xmlns:a="http://schemas.openxmlformats.org/drawingml/2006/main" xmlns:r="http://schemas.openxmlformats.org/officeDocument/2006/relationships" xmlns:p="http://schemas.openxmlformats.org/presentationml/2006/main">
-        <p:nvSpPr>
-          <p:cNvPr id="2" name="Title 1"/>
-          <p:cNvSpPr>
-            <a:spLocks noGrp="1"/>
-          </p:cNvSpPr>
-          <p:nvPr>
-            <p:ph type="title"/>
-          </p:nvPr>
-        </p:nvSpPr>
-        <p:spPr>
-          <a:xfrm rot="-0">
-            <a:off x="0" y="0"/>
-            <a:ext cx="12192000" cy="1013635"/>
-          </a:xfrm>
-        </p:spPr>
-        <p:txBody>
-          <a:bodyPr/>
-          <a:lstStyle/>
-          <a:p>
-            <a:r>
-              <a:rPr/>
-              <a:t>Well-known table</a:t>
-            </a:r>
-          </a:p>
-        </p:txBody>
-      </p:sp>
-      <p:sp xmlns:a="http://schemas.openxmlformats.org/drawingml/2006/main" xmlns:r="http://schemas.openxmlformats.org/officeDocument/2006/relationships" xmlns:p="http://schemas.openxmlformats.org/presentationml/2006/main">
-        <p:nvSpPr>
-          <p:cNvPr id="3" name="Content Placeholder 2"/>
-          <p:cNvSpPr>
-            <a:spLocks noGrp="1"/>
-          </p:cNvSpPr>
-          <p:nvPr>
-            <p:ph sz="half" idx="1"/>
-          </p:nvPr>
-        </p:nvSpPr>
-        <p:spPr>
-          <a:xfrm rot="-0">
-            <a:off x="250521" y="1205547"/>
-            <a:ext cx="5769279" cy="4971416"/>
-          </a:xfrm>
-        </p:spPr>
-        <p:txBody>
-          <a:bodyPr/>
-          <a:lstStyle/>
-          <a:p>
-            <a:r>
-              <a:rPr/>
-              <a:t/>
-            </a:r>
-            <a:r xmlns:a="http://schemas.openxmlformats.org/drawingml/2006/main" xmlns:r="http://schemas.openxmlformats.org/officeDocument/2006/relationships" xmlns:p="http://schemas.openxmlformats.org/presentationml/2006/main">
-              <a:rPr cap="none">
-                <a:solidFill>
-                  <a:srgbClr val="000000">
-                    <a:alpha val="100000"/>
-                  </a:srgbClr>
-                </a:solidFill>
-                <a:latin typeface=""/>
-                <a:cs typeface=""/>
-              </a:rPr>
-              <a:t>Used well known standard data set </a:t>
-            </a:r>
-            <a:r xmlns:a="http://schemas.openxmlformats.org/drawingml/2006/main" xmlns:r="http://schemas.openxmlformats.org/officeDocument/2006/relationships" xmlns:p="http://schemas.openxmlformats.org/presentationml/2006/main">
-              <a:rPr cap="none">
-                <a:solidFill>
-                  <a:srgbClr val="000000">
-                    <a:alpha val="100000"/>
-                  </a:srgbClr>
-                </a:solidFill>
-                <a:latin typeface="Consolas"/>
-                <a:cs typeface="Consolas"/>
-              </a:rPr>
-              <a:t>mtcars</a:t>
-            </a:r>
-          </a:p>
-          <a:p xmlns:a="http://schemas.openxmlformats.org/drawingml/2006/main" xmlns:r="http://schemas.openxmlformats.org/officeDocument/2006/relationships" xmlns:p="http://schemas.openxmlformats.org/presentationml/2006/main">
-            <a:r xmlns:a="http://schemas.openxmlformats.org/drawingml/2006/main" xmlns:r="http://schemas.openxmlformats.org/officeDocument/2006/relationships" xmlns:p="http://schemas.openxmlformats.org/presentationml/2006/main">
-              <a:rPr cap="none">
-                <a:solidFill>
-                  <a:srgbClr val="000000">
-                    <a:alpha val="100000"/>
-                  </a:srgbClr>
-                </a:solidFill>
-                <a:latin typeface=""/>
-                <a:cs typeface=""/>
-              </a:rPr>
-              <a:t>Applied </a:t>
-            </a:r>
-            <a:r xmlns:a="http://schemas.openxmlformats.org/drawingml/2006/main" xmlns:r="http://schemas.openxmlformats.org/officeDocument/2006/relationships" xmlns:p="http://schemas.openxmlformats.org/presentationml/2006/main">
-              <a:rPr cap="none" b="1">
-                <a:solidFill>
-                  <a:srgbClr val="000000">
-                    <a:alpha val="100000"/>
-                  </a:srgbClr>
-                </a:solidFill>
-                <a:latin typeface="Consolas"/>
-                <a:cs typeface="Consolas"/>
-              </a:rPr>
-              <a:t>IQRoutputTable</a:t>
-            </a:r>
-            <a:r xmlns:a="http://schemas.openxmlformats.org/drawingml/2006/main" xmlns:r="http://schemas.openxmlformats.org/officeDocument/2006/relationships" xmlns:p="http://schemas.openxmlformats.org/presentationml/2006/main">
-              <a:rPr cap="none">
-                <a:solidFill>
-                  <a:srgbClr val="000000">
-                    <a:alpha val="100000"/>
-                  </a:srgbClr>
-                </a:solidFill>
-                <a:latin typeface=""/>
-                <a:cs typeface=""/>
-              </a:rPr>
-              <a:t> with arguments </a:t>
-            </a:r>
-            <a:r xmlns:a="http://schemas.openxmlformats.org/drawingml/2006/main" xmlns:r="http://schemas.openxmlformats.org/officeDocument/2006/relationships" xmlns:p="http://schemas.openxmlformats.org/presentationml/2006/main">
-              <a:rPr cap="none">
-                <a:solidFill>
-                  <a:srgbClr val="000000">
-                    <a:alpha val="100000"/>
-                  </a:srgbClr>
-                </a:solidFill>
-                <a:latin typeface="Consolas"/>
-                <a:cs typeface="Consolas"/>
-              </a:rPr>
-              <a:t>xfooter</a:t>
-            </a:r>
-            <a:r xmlns:a="http://schemas.openxmlformats.org/drawingml/2006/main" xmlns:r="http://schemas.openxmlformats.org/officeDocument/2006/relationships" xmlns:p="http://schemas.openxmlformats.org/presentationml/2006/main">
-              <a:rPr cap="none">
-                <a:solidFill>
-                  <a:srgbClr val="000000">
-                    <a:alpha val="100000"/>
-                  </a:srgbClr>
-                </a:solidFill>
-                <a:latin typeface=""/>
-                <a:cs typeface=""/>
-              </a:rPr>
-              <a:t> and </a:t>
-            </a:r>
-            <a:r xmlns:a="http://schemas.openxmlformats.org/drawingml/2006/main" xmlns:r="http://schemas.openxmlformats.org/officeDocument/2006/relationships" xmlns:p="http://schemas.openxmlformats.org/presentationml/2006/main">
-              <a:rPr cap="none">
-                <a:solidFill>
-                  <a:srgbClr val="000000">
-                    <a:alpha val="100000"/>
-                  </a:srgbClr>
-                </a:solidFill>
-                <a:latin typeface="Consolas"/>
-                <a:cs typeface="Consolas"/>
-              </a:rPr>
-              <a:t>filename</a:t>
-            </a:r>
-          </a:p>
-          <a:p xmlns:a="http://schemas.openxmlformats.org/drawingml/2006/main" xmlns:r="http://schemas.openxmlformats.org/officeDocument/2006/relationships" xmlns:p="http://schemas.openxmlformats.org/presentationml/2006/main">
-            <a:r xmlns:a="http://schemas.openxmlformats.org/drawingml/2006/main" xmlns:r="http://schemas.openxmlformats.org/officeDocument/2006/relationships" xmlns:p="http://schemas.openxmlformats.org/presentationml/2006/main">
-              <a:rPr cap="none">
-                <a:solidFill>
-                  <a:srgbClr val="000000">
-                    <a:alpha val="100000"/>
-                  </a:srgbClr>
-                </a:solidFill>
-                <a:latin typeface=""/>
-                <a:cs typeface=""/>
-              </a:rPr>
-              <a:t>Called </a:t>
-            </a:r>
-            <a:r xmlns:a="http://schemas.openxmlformats.org/drawingml/2006/main" xmlns:r="http://schemas.openxmlformats.org/officeDocument/2006/relationships" xmlns:p="http://schemas.openxmlformats.org/presentationml/2006/main">
-              <a:rPr cap="none">
-                <a:solidFill>
-                  <a:srgbClr val="000000">
-                    <a:alpha val="100000"/>
-                  </a:srgbClr>
-                </a:solidFill>
-                <a:latin typeface="Consolas"/>
-                <a:cs typeface="Consolas"/>
-              </a:rPr>
-              <a:t>IQRoutputPPTX</a:t>
-            </a:r>
-            <a:r xmlns:a="http://schemas.openxmlformats.org/drawingml/2006/main" xmlns:r="http://schemas.openxmlformats.org/officeDocument/2006/relationships" xmlns:p="http://schemas.openxmlformats.org/presentationml/2006/main">
-              <a:rPr cap="none">
-                <a:solidFill>
-                  <a:srgbClr val="000000">
-                    <a:alpha val="100000"/>
-                  </a:srgbClr>
-                </a:solidFill>
-                <a:latin typeface=""/>
-                <a:cs typeface=""/>
-              </a:rPr>
-              <a:t> with bullet point list and </a:t>
-            </a:r>
-            <a:r xmlns:a="http://schemas.openxmlformats.org/drawingml/2006/main" xmlns:r="http://schemas.openxmlformats.org/officeDocument/2006/relationships" xmlns:p="http://schemas.openxmlformats.org/presentationml/2006/main">
-              <a:rPr cap="none">
-                <a:solidFill>
-                  <a:srgbClr val="000000">
-                    <a:alpha val="100000"/>
-                  </a:srgbClr>
-                </a:solidFill>
-                <a:latin typeface="Consolas"/>
-                <a:cs typeface="Consolas"/>
-              </a:rPr>
-              <a:t>IQRoutputTable</a:t>
-            </a:r>
-            <a:r xmlns:a="http://schemas.openxmlformats.org/drawingml/2006/main" xmlns:r="http://schemas.openxmlformats.org/officeDocument/2006/relationships" xmlns:p="http://schemas.openxmlformats.org/presentationml/2006/main">
-              <a:rPr cap="none">
-                <a:solidFill>
-                  <a:srgbClr val="000000">
-                    <a:alpha val="100000"/>
-                  </a:srgbClr>
-                </a:solidFill>
-                <a:latin typeface=""/>
-                <a:cs typeface=""/>
-              </a:rPr>
-              <a:t> object</a:t>
-            </a:r>
-          </a:p>
-        </p:txBody>
-      </p:sp>
-      <p:pic xmlns:a="http://schemas.openxmlformats.org/drawingml/2006/main" xmlns:r="http://schemas.openxmlformats.org/officeDocument/2006/relationships" xmlns:p="http://schemas.openxmlformats.org/presentationml/2006/main">
-        <p:nvPicPr>
-          <p:cNvPr id="4" name="Content Placeholder 3"/>
-          <p:cNvPicPr/>
-          <p:nvPr/>
-        </p:nvPicPr>
-        <p:blipFill>
-          <a:blip cstate="print" r:embed="rId2"/>
-          <a:stretch>
-            <a:fillRect/>
-          </a:stretch>
-        </p:blipFill>
-        <p:spPr>
-          <a:xfrm>
-            <a:off x="6172199" y="1205548"/>
-            <a:ext cx="5727527" cy="4446906"/>
-          </a:xfrm>
-          <a:prstGeom prst="rect">
-            <a:avLst/>
-          </a:prstGeom>
-        </p:spPr>
-      </p:pic>
-      <p:sp xmlns:a="http://schemas.openxmlformats.org/drawingml/2006/main" xmlns:r="http://schemas.openxmlformats.org/officeDocument/2006/relationships" xmlns:p="http://schemas.openxmlformats.org/presentationml/2006/main">
-        <p:nvSpPr>
-          <p:cNvPr id="5" name="Text Placeholder 2"/>
-          <p:cNvSpPr>
-            <a:spLocks noGrp="1"/>
-          </p:cNvSpPr>
-          <p:nvPr>
-            <p:ph type="body" sz="quarter" idx="13"/>
-          </p:nvPr>
-        </p:nvSpPr>
-        <p:spPr>
-          <a:xfrm rot="-0">
-            <a:off x="6172201" y="5731330"/>
-            <a:ext cx="5727526" cy="445634"/>
-          </a:xfrm>
-        </p:spPr>
-        <p:txBody>
-          <a:bodyPr/>
-          <a:lstStyle/>
-          <a:p>
-            <a:r>
-              <a:rPr/>
-              <a:t>See R datasets::mtcars
-File: ../Output/01_test/cars_table.txt</a:t>
-            </a:r>
-          </a:p>
-        </p:txBody>
-      </p:sp>
-      <p:sp xmlns:a="http://schemas.openxmlformats.org/drawingml/2006/main" xmlns:r="http://schemas.openxmlformats.org/officeDocument/2006/relationships" xmlns:p="http://schemas.openxmlformats.org/presentationml/2006/main">
-        <p:nvSpPr>
-          <p:cNvPr id="6" name="Footer Placeholder 5"/>
-          <p:cNvSpPr>
-            <a:spLocks noGrp="1"/>
-          </p:cNvSpPr>
-          <p:nvPr>
-            <p:ph type="ftr" sz="quarter" idx="11"/>
-          </p:nvPr>
-        </p:nvSpPr>
-        <p:spPr>
-          <a:xfrm rot="-0">
-            <a:off x="3144033" y="6356350"/>
-            <a:ext cx="5842763" cy="365125"/>
-          </a:xfrm>
-        </p:spPr>
-        <p:txBody>
-          <a:bodyPr/>
-          <a:lstStyle/>
-          <a:p>
-            <a:r>
-              <a:rPr/>
-              <a:t>IQSlidedeck_IQRobjects.R | Date: 2020-04-23 12:36:16</a:t>
-            </a:r>
-          </a:p>
-        </p:txBody>
-      </p:sp>
-    </p:spTree>
-  </p:cSld>
-  <p:clrMapOvr>
-    <a:masterClrMapping/>
-  </p:clrMapOvr>
-</p:sld>
-</file>
-
-<file path=ppt/slides/slide18.xml><?xml version="1.0" encoding="utf-8"?>
-<p:sld xmlns:a="http://schemas.openxmlformats.org/drawingml/2006/main" xmlns:r="http://schemas.openxmlformats.org/officeDocument/2006/relationships" xmlns:p="http://schemas.openxmlformats.org/presentationml/2006/main">
-  <p:cSld>
-    <p:spTree>
-      <p:nvGrpSpPr>
-        <p:cNvPr id="1" name=""/>
-        <p:cNvGrpSpPr/>
-        <p:nvPr/>
-      </p:nvGrpSpPr>
-      <p:grpSpPr>
-        <a:xfrm>
-          <a:off x="0" y="0"/>
-          <a:ext cx="0" cy="0"/>
-          <a:chOff x="0" y="0"/>
-          <a:chExt cx="0" cy="0"/>
-        </a:xfrm>
-      </p:grpSpPr>
-      <p:sp xmlns:a="http://schemas.openxmlformats.org/drawingml/2006/main" xmlns:r="http://schemas.openxmlformats.org/officeDocument/2006/relationships" xmlns:p="http://schemas.openxmlformats.org/presentationml/2006/main">
-        <p:nvSpPr>
-          <p:cNvPr id="2" name="Title 1"/>
-          <p:cNvSpPr>
-            <a:spLocks noGrp="1"/>
-          </p:cNvSpPr>
-          <p:nvPr>
-            <p:ph type="title"/>
-          </p:nvPr>
-        </p:nvSpPr>
-        <p:spPr>
-          <a:xfrm rot="-0">
-            <a:off x="0" y="0"/>
-            <a:ext cx="12192000" cy="1013635"/>
-          </a:xfrm>
-        </p:spPr>
-        <p:txBody>
-          <a:bodyPr/>
-          <a:lstStyle/>
-          <a:p>
-            <a:r>
-              <a:rPr/>
-              <a:t>Plotting white noise</a:t>
-            </a:r>
-          </a:p>
-        </p:txBody>
-      </p:sp>
-      <p:pic xmlns:a="http://schemas.openxmlformats.org/drawingml/2006/main" xmlns:r="http://schemas.openxmlformats.org/officeDocument/2006/relationships" xmlns:p="http://schemas.openxmlformats.org/presentationml/2006/main">
-        <p:nvPicPr>
-          <p:cNvPr id="3" name="Content Placeholder 2"/>
-          <p:cNvPicPr/>
-          <p:nvPr/>
-        </p:nvPicPr>
-        <p:blipFill>
-          <a:blip cstate="print" r:embed="rId2"/>
-          <a:stretch>
-            <a:fillRect/>
-          </a:stretch>
-        </p:blipFill>
-        <p:spPr>
-          <a:xfrm>
-            <a:off x="250521" y="1227551"/>
-            <a:ext cx="11649206" cy="4479285"/>
-          </a:xfrm>
-          <a:prstGeom prst="rect">
-            <a:avLst/>
-          </a:prstGeom>
-        </p:spPr>
-      </p:pic>
-      <p:sp xmlns:a="http://schemas.openxmlformats.org/drawingml/2006/main" xmlns:r="http://schemas.openxmlformats.org/officeDocument/2006/relationships" xmlns:p="http://schemas.openxmlformats.org/presentationml/2006/main">
-        <p:nvSpPr>
-          <p:cNvPr id="4" name="Text Placeholder 8"/>
-          <p:cNvSpPr>
-            <a:spLocks noGrp="1"/>
-          </p:cNvSpPr>
-          <p:nvPr>
-            <p:ph type="body" sz="quarter" idx="13"/>
-          </p:nvPr>
-        </p:nvSpPr>
-        <p:spPr>
-          <a:xfrm rot="-0">
-            <a:off x="250521" y="5816374"/>
-            <a:ext cx="11649206" cy="365125"/>
-          </a:xfrm>
-        </p:spPr>
-        <p:txBody>
-          <a:bodyPr/>
-          <a:lstStyle/>
-          <a:p>
-            <a:r>
-              <a:rPr/>
-              <a:t>File: ../Output/01_test/subset_normal_distributions.pdf</a:t>
-            </a:r>
-          </a:p>
-        </p:txBody>
-      </p:sp>
-      <p:sp xmlns:a="http://schemas.openxmlformats.org/drawingml/2006/main" xmlns:r="http://schemas.openxmlformats.org/officeDocument/2006/relationships" xmlns:p="http://schemas.openxmlformats.org/presentationml/2006/main">
-        <p:nvSpPr>
-          <p:cNvPr id="5" name="Footer Placeholder 4"/>
-          <p:cNvSpPr>
-            <a:spLocks noGrp="1"/>
-          </p:cNvSpPr>
-          <p:nvPr>
-            <p:ph type="ftr" sz="quarter" idx="11"/>
-          </p:nvPr>
-        </p:nvSpPr>
-        <p:spPr>
-          <a:xfrm rot="-0">
-            <a:off x="3144033" y="6356350"/>
-            <a:ext cx="5842763" cy="365125"/>
-          </a:xfrm>
-        </p:spPr>
-        <p:txBody>
-          <a:bodyPr/>
-          <a:lstStyle/>
-          <a:p>
-            <a:r>
-              <a:rPr/>
-              <a:t>IQSlidedeck_IQRobjects.R | Date: 2020-04-23 12:36:17</a:t>
+2020-05-01</a:t>
             </a:r>
           </a:p>
         </p:txBody>
@@ -7412,7 +5054,7 @@
           <a:p>
             <a:r>
               <a:rPr/>
-              <a:t>Plain Slides</a:t>
+              <a:t>Test IQR Objects</a:t>
             </a:r>
           </a:p>
         </p:txBody>
@@ -7464,7 +5106,7 @@
           <a:p>
             <a:r>
               <a:rPr/>
-              <a:t>Just a test</a:t>
+              <a:t>Plotting white noise (1)</a:t>
             </a:r>
           </a:p>
         </p:txBody>
@@ -7476,13 +5118,13 @@
             <a:spLocks noGrp="1"/>
           </p:cNvSpPr>
           <p:nvPr>
-            <p:ph idx="1"/>
+            <p:ph sz="half" idx="1"/>
           </p:nvPr>
         </p:nvSpPr>
         <p:spPr>
           <a:xfrm rot="-0">
-            <a:off x="250521" y="1227551"/>
-            <a:ext cx="11649206" cy="4949412"/>
+            <a:off x="250521" y="1205547"/>
+            <a:ext cx="5769279" cy="4971416"/>
           </a:xfrm>
         </p:spPr>
         <p:txBody>
@@ -7491,20 +5133,259 @@
           <a:p>
             <a:r>
               <a:rPr/>
-              <a:t>Cars data set from R datasets</a:t>
-            </a:r>
-          </a:p>
+              <a:t/>
+            </a:r>
+            <a:r xmlns:a="http://schemas.openxmlformats.org/drawingml/2006/main" xmlns:r="http://schemas.openxmlformats.org/officeDocument/2006/relationships" xmlns:p="http://schemas.openxmlformats.org/presentationml/2006/main">
+              <a:rPr cap="none">
+                <a:solidFill>
+                  <a:srgbClr val="000000">
+                    <a:alpha val="100000"/>
+                  </a:srgbClr>
+                </a:solidFill>
+                <a:latin typeface=""/>
+                <a:cs typeface=""/>
+              </a:rPr>
+              <a:t>A list of ggplot objects was created</a:t>
+            </a:r>
+          </a:p>
+          <a:p xmlns:a="http://schemas.openxmlformats.org/drawingml/2006/main" xmlns:r="http://schemas.openxmlformats.org/officeDocument/2006/relationships" xmlns:p="http://schemas.openxmlformats.org/presentationml/2006/main">
+            <a:r xmlns:a="http://schemas.openxmlformats.org/drawingml/2006/main" xmlns:r="http://schemas.openxmlformats.org/officeDocument/2006/relationships" xmlns:p="http://schemas.openxmlformats.org/presentationml/2006/main">
+              <a:rPr cap="none">
+                <a:solidFill>
+                  <a:srgbClr val="000000">
+                    <a:alpha val="100000"/>
+                  </a:srgbClr>
+                </a:solidFill>
+                <a:latin typeface=""/>
+                <a:cs typeface=""/>
+              </a:rPr>
+              <a:t>Called </a:t>
+            </a:r>
+            <a:r xmlns:a="http://schemas.openxmlformats.org/drawingml/2006/main" xmlns:r="http://schemas.openxmlformats.org/officeDocument/2006/relationships" xmlns:p="http://schemas.openxmlformats.org/presentationml/2006/main">
+              <a:rPr cap="none" b="1">
+                <a:solidFill>
+                  <a:srgbClr val="000000">
+                    <a:alpha val="100000"/>
+                  </a:srgbClr>
+                </a:solidFill>
+                <a:latin typeface="Consolas"/>
+                <a:cs typeface="Consolas"/>
+              </a:rPr>
+              <a:t>IQRoutputFigure</a:t>
+            </a:r>
+            <a:r xmlns:a="http://schemas.openxmlformats.org/drawingml/2006/main" xmlns:r="http://schemas.openxmlformats.org/officeDocument/2006/relationships" xmlns:p="http://schemas.openxmlformats.org/presentationml/2006/main">
+              <a:rPr cap="none">
+                <a:solidFill>
+                  <a:srgbClr val="000000">
+                    <a:alpha val="100000"/>
+                  </a:srgbClr>
+                </a:solidFill>
+                <a:latin typeface=""/>
+                <a:cs typeface=""/>
+              </a:rPr>
+              <a:t> with arguments </a:t>
+            </a:r>
+            <a:r xmlns:a="http://schemas.openxmlformats.org/drawingml/2006/main" xmlns:r="http://schemas.openxmlformats.org/officeDocument/2006/relationships" xmlns:p="http://schemas.openxmlformats.org/presentationml/2006/main">
+              <a:rPr cap="none">
+                <a:solidFill>
+                  <a:srgbClr val="000000">
+                    <a:alpha val="100000"/>
+                  </a:srgbClr>
+                </a:solidFill>
+                <a:latin typeface="Consolas"/>
+                <a:cs typeface="Consolas"/>
+              </a:rPr>
+              <a:t>nrow</a:t>
+            </a:r>
+            <a:r xmlns:a="http://schemas.openxmlformats.org/drawingml/2006/main" xmlns:r="http://schemas.openxmlformats.org/officeDocument/2006/relationships" xmlns:p="http://schemas.openxmlformats.org/presentationml/2006/main">
+              <a:rPr cap="none">
+                <a:solidFill>
+                  <a:srgbClr val="000000">
+                    <a:alpha val="100000"/>
+                  </a:srgbClr>
+                </a:solidFill>
+                <a:latin typeface=""/>
+                <a:cs typeface=""/>
+              </a:rPr>
+              <a:t>, </a:t>
+            </a:r>
+            <a:r xmlns:a="http://schemas.openxmlformats.org/drawingml/2006/main" xmlns:r="http://schemas.openxmlformats.org/officeDocument/2006/relationships" xmlns:p="http://schemas.openxmlformats.org/presentationml/2006/main">
+              <a:rPr cap="none">
+                <a:solidFill>
+                  <a:srgbClr val="000000">
+                    <a:alpha val="100000"/>
+                  </a:srgbClr>
+                </a:solidFill>
+                <a:latin typeface="Consolas"/>
+                <a:cs typeface="Consolas"/>
+              </a:rPr>
+              <a:t>ncol</a:t>
+            </a:r>
+            <a:r xmlns:a="http://schemas.openxmlformats.org/drawingml/2006/main" xmlns:r="http://schemas.openxmlformats.org/officeDocument/2006/relationships" xmlns:p="http://schemas.openxmlformats.org/presentationml/2006/main">
+              <a:rPr cap="none">
+                <a:solidFill>
+                  <a:srgbClr val="000000">
+                    <a:alpha val="100000"/>
+                  </a:srgbClr>
+                </a:solidFill>
+                <a:latin typeface=""/>
+                <a:cs typeface=""/>
+              </a:rPr>
+              <a:t>, </a:t>
+            </a:r>
+            <a:r xmlns:a="http://schemas.openxmlformats.org/drawingml/2006/main" xmlns:r="http://schemas.openxmlformats.org/officeDocument/2006/relationships" xmlns:p="http://schemas.openxmlformats.org/presentationml/2006/main">
+              <a:rPr cap="none">
+                <a:solidFill>
+                  <a:srgbClr val="000000">
+                    <a:alpha val="100000"/>
+                  </a:srgbClr>
+                </a:solidFill>
+                <a:latin typeface="Consolas"/>
+                <a:cs typeface="Consolas"/>
+              </a:rPr>
+              <a:t>footer</a:t>
+            </a:r>
+            <a:r xmlns:a="http://schemas.openxmlformats.org/drawingml/2006/main" xmlns:r="http://schemas.openxmlformats.org/officeDocument/2006/relationships" xmlns:p="http://schemas.openxmlformats.org/presentationml/2006/main">
+              <a:rPr cap="none">
+                <a:solidFill>
+                  <a:srgbClr val="000000">
+                    <a:alpha val="100000"/>
+                  </a:srgbClr>
+                </a:solidFill>
+                <a:latin typeface=""/>
+                <a:cs typeface=""/>
+              </a:rPr>
+              <a:t> and </a:t>
+            </a:r>
+            <a:r xmlns:a="http://schemas.openxmlformats.org/drawingml/2006/main" xmlns:r="http://schemas.openxmlformats.org/officeDocument/2006/relationships" xmlns:p="http://schemas.openxmlformats.org/presentationml/2006/main">
+              <a:rPr cap="none">
+                <a:solidFill>
+                  <a:srgbClr val="000000">
+                    <a:alpha val="100000"/>
+                  </a:srgbClr>
+                </a:solidFill>
+                <a:latin typeface="Consolas"/>
+                <a:cs typeface="Consolas"/>
+              </a:rPr>
+              <a:t>filename</a:t>
+            </a:r>
+          </a:p>
+          <a:p xmlns:a="http://schemas.openxmlformats.org/drawingml/2006/main" xmlns:r="http://schemas.openxmlformats.org/officeDocument/2006/relationships" xmlns:p="http://schemas.openxmlformats.org/presentationml/2006/main">
+            <a:r xmlns:a="http://schemas.openxmlformats.org/drawingml/2006/main" xmlns:r="http://schemas.openxmlformats.org/officeDocument/2006/relationships" xmlns:p="http://schemas.openxmlformats.org/presentationml/2006/main">
+              <a:rPr cap="none">
+                <a:solidFill>
+                  <a:srgbClr val="000000">
+                    <a:alpha val="100000"/>
+                  </a:srgbClr>
+                </a:solidFill>
+                <a:latin typeface=""/>
+                <a:cs typeface=""/>
+              </a:rPr>
+              <a:t>Called </a:t>
+            </a:r>
+            <a:r xmlns:a="http://schemas.openxmlformats.org/drawingml/2006/main" xmlns:r="http://schemas.openxmlformats.org/officeDocument/2006/relationships" xmlns:p="http://schemas.openxmlformats.org/presentationml/2006/main">
+              <a:rPr cap="none">
+                <a:solidFill>
+                  <a:srgbClr val="000000">
+                    <a:alpha val="100000"/>
+                  </a:srgbClr>
+                </a:solidFill>
+                <a:latin typeface="Consolas"/>
+                <a:cs typeface="Consolas"/>
+              </a:rPr>
+              <a:t>IQRoutputPPTX</a:t>
+            </a:r>
+            <a:r xmlns:a="http://schemas.openxmlformats.org/drawingml/2006/main" xmlns:r="http://schemas.openxmlformats.org/officeDocument/2006/relationships" xmlns:p="http://schemas.openxmlformats.org/presentationml/2006/main">
+              <a:rPr cap="none">
+                <a:solidFill>
+                  <a:srgbClr val="000000">
+                    <a:alpha val="100000"/>
+                  </a:srgbClr>
+                </a:solidFill>
+                <a:latin typeface=""/>
+                <a:cs typeface=""/>
+              </a:rPr>
+              <a:t> with bullet point list and </a:t>
+            </a:r>
+            <a:r xmlns:a="http://schemas.openxmlformats.org/drawingml/2006/main" xmlns:r="http://schemas.openxmlformats.org/officeDocument/2006/relationships" xmlns:p="http://schemas.openxmlformats.org/presentationml/2006/main">
+              <a:rPr cap="none">
+                <a:solidFill>
+                  <a:srgbClr val="000000">
+                    <a:alpha val="100000"/>
+                  </a:srgbClr>
+                </a:solidFill>
+                <a:latin typeface="Consolas"/>
+                <a:cs typeface="Consolas"/>
+              </a:rPr>
+              <a:t>IQRoutputFigure</a:t>
+            </a:r>
+            <a:r xmlns:a="http://schemas.openxmlformats.org/drawingml/2006/main" xmlns:r="http://schemas.openxmlformats.org/officeDocument/2006/relationships" xmlns:p="http://schemas.openxmlformats.org/presentationml/2006/main">
+              <a:rPr cap="none">
+                <a:solidFill>
+                  <a:srgbClr val="000000">
+                    <a:alpha val="100000"/>
+                  </a:srgbClr>
+                </a:solidFill>
+                <a:latin typeface=""/>
+                <a:cs typeface=""/>
+              </a:rPr>
+              <a:t> object.</a:t>
+            </a:r>
+          </a:p>
+        </p:txBody>
+      </p:sp>
+      <p:pic xmlns:a="http://schemas.openxmlformats.org/drawingml/2006/main" xmlns:r="http://schemas.openxmlformats.org/officeDocument/2006/relationships" xmlns:p="http://schemas.openxmlformats.org/presentationml/2006/main">
+        <p:nvPicPr>
+          <p:cNvPr id="4" name="Content Placeholder 3"/>
+          <p:cNvPicPr/>
+          <p:nvPr/>
+        </p:nvPicPr>
+        <p:blipFill>
+          <a:blip cstate="print" r:embed="rId2"/>
+          <a:stretch>
+            <a:fillRect/>
+          </a:stretch>
+        </p:blipFill>
+        <p:spPr>
+          <a:xfrm>
+            <a:off x="6172199" y="1205548"/>
+            <a:ext cx="5727527" cy="4446906"/>
+          </a:xfrm>
+          <a:prstGeom prst="rect">
+            <a:avLst/>
+          </a:prstGeom>
+        </p:spPr>
+      </p:pic>
+      <p:sp xmlns:a="http://schemas.openxmlformats.org/drawingml/2006/main" xmlns:r="http://schemas.openxmlformats.org/officeDocument/2006/relationships" xmlns:p="http://schemas.openxmlformats.org/presentationml/2006/main">
+        <p:nvSpPr>
+          <p:cNvPr id="5" name="Text Placeholder 2"/>
+          <p:cNvSpPr>
+            <a:spLocks noGrp="1"/>
+          </p:cNvSpPr>
+          <p:nvPr>
+            <p:ph type="body" sz="quarter" idx="13"/>
+          </p:nvPr>
+        </p:nvSpPr>
+        <p:spPr>
+          <a:xfrm rot="-0">
+            <a:off x="6172201" y="5731330"/>
+            <a:ext cx="5727526" cy="445634"/>
+          </a:xfrm>
+        </p:spPr>
+        <p:txBody>
+          <a:bodyPr/>
+          <a:lstStyle/>
           <a:p>
             <a:r>
               <a:rPr/>
-              <a:t>The data vie the speed of cars and distances taken to stop shown as plot</a:t>
+              <a:t>File: ../Output/01_test/normal_distributions.pdf</a:t>
             </a:r>
           </a:p>
         </p:txBody>
       </p:sp>
       <p:sp xmlns:a="http://schemas.openxmlformats.org/drawingml/2006/main" xmlns:r="http://schemas.openxmlformats.org/officeDocument/2006/relationships" xmlns:p="http://schemas.openxmlformats.org/presentationml/2006/main">
         <p:nvSpPr>
-          <p:cNvPr id="4" name="Footer Placeholder 4"/>
+          <p:cNvPr id="6" name="Footer Placeholder 5"/>
           <p:cNvSpPr>
             <a:spLocks noGrp="1"/>
           </p:cNvSpPr>
@@ -7524,7 +5405,7 @@
           <a:p>
             <a:r>
               <a:rPr/>
-              <a:t>IQSlidedeck.R | Date: 2020-04-23 12:35:48</a:t>
+              <a:t>IQSlidedeck_IQRobjects.R | Date: 2020-05-01 21:29:13</a:t>
             </a:r>
           </a:p>
         </p:txBody>
@@ -7566,8 +5447,8 @@
         </p:nvSpPr>
         <p:spPr>
           <a:xfrm rot="-0">
-            <a:off x="0" y="2212521"/>
-            <a:ext cx="8580329" cy="1506735"/>
+            <a:off x="0" y="0"/>
+            <a:ext cx="12192000" cy="1013635"/>
           </a:xfrm>
         </p:spPr>
         <p:txBody>
@@ -7576,7 +5457,306 @@
           <a:p>
             <a:r>
               <a:rPr/>
-              <a:t>Slides with plots</a:t>
+              <a:t>Plotting white noise (2)</a:t>
+            </a:r>
+          </a:p>
+        </p:txBody>
+      </p:sp>
+      <p:sp xmlns:a="http://schemas.openxmlformats.org/drawingml/2006/main" xmlns:r="http://schemas.openxmlformats.org/officeDocument/2006/relationships" xmlns:p="http://schemas.openxmlformats.org/presentationml/2006/main">
+        <p:nvSpPr>
+          <p:cNvPr id="3" name="Content Placeholder 2"/>
+          <p:cNvSpPr>
+            <a:spLocks noGrp="1"/>
+          </p:cNvSpPr>
+          <p:nvPr>
+            <p:ph sz="half" idx="1"/>
+          </p:nvPr>
+        </p:nvSpPr>
+        <p:spPr>
+          <a:xfrm rot="-0">
+            <a:off x="250521" y="1205547"/>
+            <a:ext cx="5769279" cy="4971416"/>
+          </a:xfrm>
+        </p:spPr>
+        <p:txBody>
+          <a:bodyPr/>
+          <a:lstStyle/>
+          <a:p>
+            <a:r>
+              <a:rPr/>
+              <a:t/>
+            </a:r>
+            <a:r xmlns:a="http://schemas.openxmlformats.org/drawingml/2006/main" xmlns:r="http://schemas.openxmlformats.org/officeDocument/2006/relationships" xmlns:p="http://schemas.openxmlformats.org/presentationml/2006/main">
+              <a:rPr cap="none">
+                <a:solidFill>
+                  <a:srgbClr val="000000">
+                    <a:alpha val="100000"/>
+                  </a:srgbClr>
+                </a:solidFill>
+                <a:latin typeface=""/>
+                <a:cs typeface=""/>
+              </a:rPr>
+              <a:t>A list of ggplot objects was created</a:t>
+            </a:r>
+          </a:p>
+          <a:p xmlns:a="http://schemas.openxmlformats.org/drawingml/2006/main" xmlns:r="http://schemas.openxmlformats.org/officeDocument/2006/relationships" xmlns:p="http://schemas.openxmlformats.org/presentationml/2006/main">
+            <a:r xmlns:a="http://schemas.openxmlformats.org/drawingml/2006/main" xmlns:r="http://schemas.openxmlformats.org/officeDocument/2006/relationships" xmlns:p="http://schemas.openxmlformats.org/presentationml/2006/main">
+              <a:rPr cap="none">
+                <a:solidFill>
+                  <a:srgbClr val="000000">
+                    <a:alpha val="100000"/>
+                  </a:srgbClr>
+                </a:solidFill>
+                <a:latin typeface=""/>
+                <a:cs typeface=""/>
+              </a:rPr>
+              <a:t>Called </a:t>
+            </a:r>
+            <a:r xmlns:a="http://schemas.openxmlformats.org/drawingml/2006/main" xmlns:r="http://schemas.openxmlformats.org/officeDocument/2006/relationships" xmlns:p="http://schemas.openxmlformats.org/presentationml/2006/main">
+              <a:rPr cap="none" b="1">
+                <a:solidFill>
+                  <a:srgbClr val="000000">
+                    <a:alpha val="100000"/>
+                  </a:srgbClr>
+                </a:solidFill>
+                <a:latin typeface="Consolas"/>
+                <a:cs typeface="Consolas"/>
+              </a:rPr>
+              <a:t>IQRoutputFigure</a:t>
+            </a:r>
+            <a:r xmlns:a="http://schemas.openxmlformats.org/drawingml/2006/main" xmlns:r="http://schemas.openxmlformats.org/officeDocument/2006/relationships" xmlns:p="http://schemas.openxmlformats.org/presentationml/2006/main">
+              <a:rPr cap="none">
+                <a:solidFill>
+                  <a:srgbClr val="000000">
+                    <a:alpha val="100000"/>
+                  </a:srgbClr>
+                </a:solidFill>
+                <a:latin typeface=""/>
+                <a:cs typeface=""/>
+              </a:rPr>
+              <a:t> with arguments </a:t>
+            </a:r>
+            <a:r xmlns:a="http://schemas.openxmlformats.org/drawingml/2006/main" xmlns:r="http://schemas.openxmlformats.org/officeDocument/2006/relationships" xmlns:p="http://schemas.openxmlformats.org/presentationml/2006/main">
+              <a:rPr cap="none">
+                <a:solidFill>
+                  <a:srgbClr val="000000">
+                    <a:alpha val="100000"/>
+                  </a:srgbClr>
+                </a:solidFill>
+                <a:latin typeface="Consolas"/>
+                <a:cs typeface="Consolas"/>
+              </a:rPr>
+              <a:t>nrow</a:t>
+            </a:r>
+            <a:r xmlns:a="http://schemas.openxmlformats.org/drawingml/2006/main" xmlns:r="http://schemas.openxmlformats.org/officeDocument/2006/relationships" xmlns:p="http://schemas.openxmlformats.org/presentationml/2006/main">
+              <a:rPr cap="none">
+                <a:solidFill>
+                  <a:srgbClr val="000000">
+                    <a:alpha val="100000"/>
+                  </a:srgbClr>
+                </a:solidFill>
+                <a:latin typeface=""/>
+                <a:cs typeface=""/>
+              </a:rPr>
+              <a:t>, </a:t>
+            </a:r>
+            <a:r xmlns:a="http://schemas.openxmlformats.org/drawingml/2006/main" xmlns:r="http://schemas.openxmlformats.org/officeDocument/2006/relationships" xmlns:p="http://schemas.openxmlformats.org/presentationml/2006/main">
+              <a:rPr cap="none">
+                <a:solidFill>
+                  <a:srgbClr val="000000">
+                    <a:alpha val="100000"/>
+                  </a:srgbClr>
+                </a:solidFill>
+                <a:latin typeface="Consolas"/>
+                <a:cs typeface="Consolas"/>
+              </a:rPr>
+              <a:t>ncol</a:t>
+            </a:r>
+            <a:r xmlns:a="http://schemas.openxmlformats.org/drawingml/2006/main" xmlns:r="http://schemas.openxmlformats.org/officeDocument/2006/relationships" xmlns:p="http://schemas.openxmlformats.org/presentationml/2006/main">
+              <a:rPr cap="none">
+                <a:solidFill>
+                  <a:srgbClr val="000000">
+                    <a:alpha val="100000"/>
+                  </a:srgbClr>
+                </a:solidFill>
+                <a:latin typeface=""/>
+                <a:cs typeface=""/>
+              </a:rPr>
+              <a:t>, </a:t>
+            </a:r>
+            <a:r xmlns:a="http://schemas.openxmlformats.org/drawingml/2006/main" xmlns:r="http://schemas.openxmlformats.org/officeDocument/2006/relationships" xmlns:p="http://schemas.openxmlformats.org/presentationml/2006/main">
+              <a:rPr cap="none">
+                <a:solidFill>
+                  <a:srgbClr val="000000">
+                    <a:alpha val="100000"/>
+                  </a:srgbClr>
+                </a:solidFill>
+                <a:latin typeface="Consolas"/>
+                <a:cs typeface="Consolas"/>
+              </a:rPr>
+              <a:t>footer</a:t>
+            </a:r>
+            <a:r xmlns:a="http://schemas.openxmlformats.org/drawingml/2006/main" xmlns:r="http://schemas.openxmlformats.org/officeDocument/2006/relationships" xmlns:p="http://schemas.openxmlformats.org/presentationml/2006/main">
+              <a:rPr cap="none">
+                <a:solidFill>
+                  <a:srgbClr val="000000">
+                    <a:alpha val="100000"/>
+                  </a:srgbClr>
+                </a:solidFill>
+                <a:latin typeface=""/>
+                <a:cs typeface=""/>
+              </a:rPr>
+              <a:t> and </a:t>
+            </a:r>
+            <a:r xmlns:a="http://schemas.openxmlformats.org/drawingml/2006/main" xmlns:r="http://schemas.openxmlformats.org/officeDocument/2006/relationships" xmlns:p="http://schemas.openxmlformats.org/presentationml/2006/main">
+              <a:rPr cap="none">
+                <a:solidFill>
+                  <a:srgbClr val="000000">
+                    <a:alpha val="100000"/>
+                  </a:srgbClr>
+                </a:solidFill>
+                <a:latin typeface="Consolas"/>
+                <a:cs typeface="Consolas"/>
+              </a:rPr>
+              <a:t>filename</a:t>
+            </a:r>
+          </a:p>
+          <a:p xmlns:a="http://schemas.openxmlformats.org/drawingml/2006/main" xmlns:r="http://schemas.openxmlformats.org/officeDocument/2006/relationships" xmlns:p="http://schemas.openxmlformats.org/presentationml/2006/main">
+            <a:r xmlns:a="http://schemas.openxmlformats.org/drawingml/2006/main" xmlns:r="http://schemas.openxmlformats.org/officeDocument/2006/relationships" xmlns:p="http://schemas.openxmlformats.org/presentationml/2006/main">
+              <a:rPr cap="none">
+                <a:solidFill>
+                  <a:srgbClr val="000000">
+                    <a:alpha val="100000"/>
+                  </a:srgbClr>
+                </a:solidFill>
+                <a:latin typeface=""/>
+                <a:cs typeface=""/>
+              </a:rPr>
+              <a:t>Called </a:t>
+            </a:r>
+            <a:r xmlns:a="http://schemas.openxmlformats.org/drawingml/2006/main" xmlns:r="http://schemas.openxmlformats.org/officeDocument/2006/relationships" xmlns:p="http://schemas.openxmlformats.org/presentationml/2006/main">
+              <a:rPr cap="none">
+                <a:solidFill>
+                  <a:srgbClr val="000000">
+                    <a:alpha val="100000"/>
+                  </a:srgbClr>
+                </a:solidFill>
+                <a:latin typeface="Consolas"/>
+                <a:cs typeface="Consolas"/>
+              </a:rPr>
+              <a:t>IQRoutputPPTX</a:t>
+            </a:r>
+            <a:r xmlns:a="http://schemas.openxmlformats.org/drawingml/2006/main" xmlns:r="http://schemas.openxmlformats.org/officeDocument/2006/relationships" xmlns:p="http://schemas.openxmlformats.org/presentationml/2006/main">
+              <a:rPr cap="none">
+                <a:solidFill>
+                  <a:srgbClr val="000000">
+                    <a:alpha val="100000"/>
+                  </a:srgbClr>
+                </a:solidFill>
+                <a:latin typeface=""/>
+                <a:cs typeface=""/>
+              </a:rPr>
+              <a:t> with bullet point list and </a:t>
+            </a:r>
+            <a:r xmlns:a="http://schemas.openxmlformats.org/drawingml/2006/main" xmlns:r="http://schemas.openxmlformats.org/officeDocument/2006/relationships" xmlns:p="http://schemas.openxmlformats.org/presentationml/2006/main">
+              <a:rPr cap="none">
+                <a:solidFill>
+                  <a:srgbClr val="000000">
+                    <a:alpha val="100000"/>
+                  </a:srgbClr>
+                </a:solidFill>
+                <a:latin typeface="Consolas"/>
+                <a:cs typeface="Consolas"/>
+              </a:rPr>
+              <a:t>IQRoutputFigure</a:t>
+            </a:r>
+            <a:r xmlns:a="http://schemas.openxmlformats.org/drawingml/2006/main" xmlns:r="http://schemas.openxmlformats.org/officeDocument/2006/relationships" xmlns:p="http://schemas.openxmlformats.org/presentationml/2006/main">
+              <a:rPr cap="none">
+                <a:solidFill>
+                  <a:srgbClr val="000000">
+                    <a:alpha val="100000"/>
+                  </a:srgbClr>
+                </a:solidFill>
+                <a:latin typeface=""/>
+                <a:cs typeface=""/>
+              </a:rPr>
+              <a:t> object.</a:t>
+            </a:r>
+          </a:p>
+        </p:txBody>
+      </p:sp>
+      <p:pic xmlns:a="http://schemas.openxmlformats.org/drawingml/2006/main" xmlns:r="http://schemas.openxmlformats.org/officeDocument/2006/relationships" xmlns:p="http://schemas.openxmlformats.org/presentationml/2006/main">
+        <p:nvPicPr>
+          <p:cNvPr id="4" name="Content Placeholder 3"/>
+          <p:cNvPicPr/>
+          <p:nvPr/>
+        </p:nvPicPr>
+        <p:blipFill>
+          <a:blip cstate="print" r:embed="rId2"/>
+          <a:stretch>
+            <a:fillRect/>
+          </a:stretch>
+        </p:blipFill>
+        <p:spPr>
+          <a:xfrm>
+            <a:off x="6172199" y="1205548"/>
+            <a:ext cx="5727527" cy="4446906"/>
+          </a:xfrm>
+          <a:prstGeom prst="rect">
+            <a:avLst/>
+          </a:prstGeom>
+        </p:spPr>
+      </p:pic>
+      <p:sp xmlns:a="http://schemas.openxmlformats.org/drawingml/2006/main" xmlns:r="http://schemas.openxmlformats.org/officeDocument/2006/relationships" xmlns:p="http://schemas.openxmlformats.org/presentationml/2006/main">
+        <p:nvSpPr>
+          <p:cNvPr id="5" name="Text Placeholder 2"/>
+          <p:cNvSpPr>
+            <a:spLocks noGrp="1"/>
+          </p:cNvSpPr>
+          <p:nvPr>
+            <p:ph type="body" sz="quarter" idx="13"/>
+          </p:nvPr>
+        </p:nvSpPr>
+        <p:spPr>
+          <a:xfrm rot="-0">
+            <a:off x="6172201" y="5731330"/>
+            <a:ext cx="5727526" cy="445634"/>
+          </a:xfrm>
+        </p:spPr>
+        <p:txBody>
+          <a:bodyPr/>
+          <a:lstStyle/>
+          <a:p>
+            <a:r>
+              <a:rPr/>
+              <a:t>File: ../Output/01_test/normal_distributions.pdf</a:t>
+            </a:r>
+          </a:p>
+        </p:txBody>
+      </p:sp>
+      <p:sp xmlns:a="http://schemas.openxmlformats.org/drawingml/2006/main" xmlns:r="http://schemas.openxmlformats.org/officeDocument/2006/relationships" xmlns:p="http://schemas.openxmlformats.org/presentationml/2006/main">
+        <p:nvSpPr>
+          <p:cNvPr id="6" name="Footer Placeholder 5"/>
+          <p:cNvSpPr>
+            <a:spLocks noGrp="1"/>
+          </p:cNvSpPr>
+          <p:nvPr>
+            <p:ph type="ftr" sz="quarter" idx="11"/>
+          </p:nvPr>
+        </p:nvSpPr>
+        <p:spPr>
+          <a:xfrm rot="-0">
+            <a:off x="3144033" y="6356350"/>
+            <a:ext cx="5842763" cy="365125"/>
+          </a:xfrm>
+        </p:spPr>
+        <p:txBody>
+          <a:bodyPr/>
+          <a:lstStyle/>
+          <a:p>
+            <a:r>
+              <a:rPr/>
+              <a:t>IQSlidedeck_IQRobjects.R | Date: 2020-05-01 21:29:13</a:t>
             </a:r>
           </a:p>
         </p:txBody>
@@ -7628,7 +5808,7 @@
           <a:p>
             <a:r>
               <a:rPr/>
-              <a:t>Overview of cars distance vs time to stop</a:t>
+              <a:t>Plotting white noise (3)</a:t>
             </a:r>
           </a:p>
         </p:txBody>
@@ -7655,13 +5835,203 @@
           <a:p>
             <a:r>
               <a:rPr/>
-              <a:t>Cars data set from R datasets</a:t>
-            </a:r>
-          </a:p>
-          <a:p>
-            <a:r>
-              <a:rPr/>
-              <a:t>The data vie the speed of cars and distances taken to stop shown as plot</a:t>
+              <a:t/>
+            </a:r>
+            <a:r xmlns:a="http://schemas.openxmlformats.org/drawingml/2006/main" xmlns:r="http://schemas.openxmlformats.org/officeDocument/2006/relationships" xmlns:p="http://schemas.openxmlformats.org/presentationml/2006/main">
+              <a:rPr cap="none">
+                <a:solidFill>
+                  <a:srgbClr val="000000">
+                    <a:alpha val="100000"/>
+                  </a:srgbClr>
+                </a:solidFill>
+                <a:latin typeface=""/>
+                <a:cs typeface=""/>
+              </a:rPr>
+              <a:t>A list of ggplot objects was created</a:t>
+            </a:r>
+          </a:p>
+          <a:p xmlns:a="http://schemas.openxmlformats.org/drawingml/2006/main" xmlns:r="http://schemas.openxmlformats.org/officeDocument/2006/relationships" xmlns:p="http://schemas.openxmlformats.org/presentationml/2006/main">
+            <a:r xmlns:a="http://schemas.openxmlformats.org/drawingml/2006/main" xmlns:r="http://schemas.openxmlformats.org/officeDocument/2006/relationships" xmlns:p="http://schemas.openxmlformats.org/presentationml/2006/main">
+              <a:rPr cap="none">
+                <a:solidFill>
+                  <a:srgbClr val="000000">
+                    <a:alpha val="100000"/>
+                  </a:srgbClr>
+                </a:solidFill>
+                <a:latin typeface=""/>
+                <a:cs typeface=""/>
+              </a:rPr>
+              <a:t>Called </a:t>
+            </a:r>
+            <a:r xmlns:a="http://schemas.openxmlformats.org/drawingml/2006/main" xmlns:r="http://schemas.openxmlformats.org/officeDocument/2006/relationships" xmlns:p="http://schemas.openxmlformats.org/presentationml/2006/main">
+              <a:rPr cap="none" b="1">
+                <a:solidFill>
+                  <a:srgbClr val="000000">
+                    <a:alpha val="100000"/>
+                  </a:srgbClr>
+                </a:solidFill>
+                <a:latin typeface="Consolas"/>
+                <a:cs typeface="Consolas"/>
+              </a:rPr>
+              <a:t>IQRoutputFigure</a:t>
+            </a:r>
+            <a:r xmlns:a="http://schemas.openxmlformats.org/drawingml/2006/main" xmlns:r="http://schemas.openxmlformats.org/officeDocument/2006/relationships" xmlns:p="http://schemas.openxmlformats.org/presentationml/2006/main">
+              <a:rPr cap="none">
+                <a:solidFill>
+                  <a:srgbClr val="000000">
+                    <a:alpha val="100000"/>
+                  </a:srgbClr>
+                </a:solidFill>
+                <a:latin typeface=""/>
+                <a:cs typeface=""/>
+              </a:rPr>
+              <a:t> with arguments </a:t>
+            </a:r>
+            <a:r xmlns:a="http://schemas.openxmlformats.org/drawingml/2006/main" xmlns:r="http://schemas.openxmlformats.org/officeDocument/2006/relationships" xmlns:p="http://schemas.openxmlformats.org/presentationml/2006/main">
+              <a:rPr cap="none">
+                <a:solidFill>
+                  <a:srgbClr val="000000">
+                    <a:alpha val="100000"/>
+                  </a:srgbClr>
+                </a:solidFill>
+                <a:latin typeface="Consolas"/>
+                <a:cs typeface="Consolas"/>
+              </a:rPr>
+              <a:t>nrow</a:t>
+            </a:r>
+            <a:r xmlns:a="http://schemas.openxmlformats.org/drawingml/2006/main" xmlns:r="http://schemas.openxmlformats.org/officeDocument/2006/relationships" xmlns:p="http://schemas.openxmlformats.org/presentationml/2006/main">
+              <a:rPr cap="none">
+                <a:solidFill>
+                  <a:srgbClr val="000000">
+                    <a:alpha val="100000"/>
+                  </a:srgbClr>
+                </a:solidFill>
+                <a:latin typeface=""/>
+                <a:cs typeface=""/>
+              </a:rPr>
+              <a:t>, </a:t>
+            </a:r>
+            <a:r xmlns:a="http://schemas.openxmlformats.org/drawingml/2006/main" xmlns:r="http://schemas.openxmlformats.org/officeDocument/2006/relationships" xmlns:p="http://schemas.openxmlformats.org/presentationml/2006/main">
+              <a:rPr cap="none">
+                <a:solidFill>
+                  <a:srgbClr val="000000">
+                    <a:alpha val="100000"/>
+                  </a:srgbClr>
+                </a:solidFill>
+                <a:latin typeface="Consolas"/>
+                <a:cs typeface="Consolas"/>
+              </a:rPr>
+              <a:t>ncol</a:t>
+            </a:r>
+            <a:r xmlns:a="http://schemas.openxmlformats.org/drawingml/2006/main" xmlns:r="http://schemas.openxmlformats.org/officeDocument/2006/relationships" xmlns:p="http://schemas.openxmlformats.org/presentationml/2006/main">
+              <a:rPr cap="none">
+                <a:solidFill>
+                  <a:srgbClr val="000000">
+                    <a:alpha val="100000"/>
+                  </a:srgbClr>
+                </a:solidFill>
+                <a:latin typeface=""/>
+                <a:cs typeface=""/>
+              </a:rPr>
+              <a:t>, </a:t>
+            </a:r>
+            <a:r xmlns:a="http://schemas.openxmlformats.org/drawingml/2006/main" xmlns:r="http://schemas.openxmlformats.org/officeDocument/2006/relationships" xmlns:p="http://schemas.openxmlformats.org/presentationml/2006/main">
+              <a:rPr cap="none">
+                <a:solidFill>
+                  <a:srgbClr val="000000">
+                    <a:alpha val="100000"/>
+                  </a:srgbClr>
+                </a:solidFill>
+                <a:latin typeface="Consolas"/>
+                <a:cs typeface="Consolas"/>
+              </a:rPr>
+              <a:t>footer</a:t>
+            </a:r>
+            <a:r xmlns:a="http://schemas.openxmlformats.org/drawingml/2006/main" xmlns:r="http://schemas.openxmlformats.org/officeDocument/2006/relationships" xmlns:p="http://schemas.openxmlformats.org/presentationml/2006/main">
+              <a:rPr cap="none">
+                <a:solidFill>
+                  <a:srgbClr val="000000">
+                    <a:alpha val="100000"/>
+                  </a:srgbClr>
+                </a:solidFill>
+                <a:latin typeface=""/>
+                <a:cs typeface=""/>
+              </a:rPr>
+              <a:t> and </a:t>
+            </a:r>
+            <a:r xmlns:a="http://schemas.openxmlformats.org/drawingml/2006/main" xmlns:r="http://schemas.openxmlformats.org/officeDocument/2006/relationships" xmlns:p="http://schemas.openxmlformats.org/presentationml/2006/main">
+              <a:rPr cap="none">
+                <a:solidFill>
+                  <a:srgbClr val="000000">
+                    <a:alpha val="100000"/>
+                  </a:srgbClr>
+                </a:solidFill>
+                <a:latin typeface="Consolas"/>
+                <a:cs typeface="Consolas"/>
+              </a:rPr>
+              <a:t>filename</a:t>
+            </a:r>
+          </a:p>
+          <a:p xmlns:a="http://schemas.openxmlformats.org/drawingml/2006/main" xmlns:r="http://schemas.openxmlformats.org/officeDocument/2006/relationships" xmlns:p="http://schemas.openxmlformats.org/presentationml/2006/main">
+            <a:r xmlns:a="http://schemas.openxmlformats.org/drawingml/2006/main" xmlns:r="http://schemas.openxmlformats.org/officeDocument/2006/relationships" xmlns:p="http://schemas.openxmlformats.org/presentationml/2006/main">
+              <a:rPr cap="none">
+                <a:solidFill>
+                  <a:srgbClr val="000000">
+                    <a:alpha val="100000"/>
+                  </a:srgbClr>
+                </a:solidFill>
+                <a:latin typeface=""/>
+                <a:cs typeface=""/>
+              </a:rPr>
+              <a:t>Called </a:t>
+            </a:r>
+            <a:r xmlns:a="http://schemas.openxmlformats.org/drawingml/2006/main" xmlns:r="http://schemas.openxmlformats.org/officeDocument/2006/relationships" xmlns:p="http://schemas.openxmlformats.org/presentationml/2006/main">
+              <a:rPr cap="none">
+                <a:solidFill>
+                  <a:srgbClr val="000000">
+                    <a:alpha val="100000"/>
+                  </a:srgbClr>
+                </a:solidFill>
+                <a:latin typeface="Consolas"/>
+                <a:cs typeface="Consolas"/>
+              </a:rPr>
+              <a:t>IQRoutputPPTX</a:t>
+            </a:r>
+            <a:r xmlns:a="http://schemas.openxmlformats.org/drawingml/2006/main" xmlns:r="http://schemas.openxmlformats.org/officeDocument/2006/relationships" xmlns:p="http://schemas.openxmlformats.org/presentationml/2006/main">
+              <a:rPr cap="none">
+                <a:solidFill>
+                  <a:srgbClr val="000000">
+                    <a:alpha val="100000"/>
+                  </a:srgbClr>
+                </a:solidFill>
+                <a:latin typeface=""/>
+                <a:cs typeface=""/>
+              </a:rPr>
+              <a:t> with bullet point list and </a:t>
+            </a:r>
+            <a:r xmlns:a="http://schemas.openxmlformats.org/drawingml/2006/main" xmlns:r="http://schemas.openxmlformats.org/officeDocument/2006/relationships" xmlns:p="http://schemas.openxmlformats.org/presentationml/2006/main">
+              <a:rPr cap="none">
+                <a:solidFill>
+                  <a:srgbClr val="000000">
+                    <a:alpha val="100000"/>
+                  </a:srgbClr>
+                </a:solidFill>
+                <a:latin typeface="Consolas"/>
+                <a:cs typeface="Consolas"/>
+              </a:rPr>
+              <a:t>IQRoutputFigure</a:t>
+            </a:r>
+            <a:r xmlns:a="http://schemas.openxmlformats.org/drawingml/2006/main" xmlns:r="http://schemas.openxmlformats.org/officeDocument/2006/relationships" xmlns:p="http://schemas.openxmlformats.org/presentationml/2006/main">
+              <a:rPr cap="none">
+                <a:solidFill>
+                  <a:srgbClr val="000000">
+                    <a:alpha val="100000"/>
+                  </a:srgbClr>
+                </a:solidFill>
+                <a:latin typeface=""/>
+                <a:cs typeface=""/>
+              </a:rPr>
+              <a:t> object.</a:t>
             </a:r>
           </a:p>
         </p:txBody>
@@ -7710,7 +6080,7 @@
           <a:p>
             <a:r>
               <a:rPr/>
-              <a:t>Source: Ezekiel, M. (1930) Methods of Correlation Analysis. Wiley.</a:t>
+              <a:t>File: ../Output/01_test/normal_distributions.pdf</a:t>
             </a:r>
           </a:p>
         </p:txBody>
@@ -7737,7 +6107,7 @@
           <a:p>
             <a:r>
               <a:rPr/>
-              <a:t>IQSlidedeck.R | Date: 2020-04-23 12:35:48</a:t>
+              <a:t>IQSlidedeck_IQRobjects.R | Date: 2020-05-01 21:29:13</a:t>
             </a:r>
           </a:p>
         </p:txBody>
@@ -7789,14 +6159,201 @@
           <a:p>
             <a:r>
               <a:rPr/>
-              <a:t>Plot from png file</a:t>
+              <a:t>Well-known table</a:t>
+            </a:r>
+          </a:p>
+        </p:txBody>
+      </p:sp>
+      <p:sp xmlns:a="http://schemas.openxmlformats.org/drawingml/2006/main" xmlns:r="http://schemas.openxmlformats.org/officeDocument/2006/relationships" xmlns:p="http://schemas.openxmlformats.org/presentationml/2006/main">
+        <p:nvSpPr>
+          <p:cNvPr id="3" name="Content Placeholder 2"/>
+          <p:cNvSpPr>
+            <a:spLocks noGrp="1"/>
+          </p:cNvSpPr>
+          <p:nvPr>
+            <p:ph sz="half" idx="1"/>
+          </p:nvPr>
+        </p:nvSpPr>
+        <p:spPr>
+          <a:xfrm rot="-0">
+            <a:off x="250521" y="1205547"/>
+            <a:ext cx="5769279" cy="4971416"/>
+          </a:xfrm>
+        </p:spPr>
+        <p:txBody>
+          <a:bodyPr/>
+          <a:lstStyle/>
+          <a:p>
+            <a:r>
+              <a:rPr/>
+              <a:t/>
+            </a:r>
+            <a:r xmlns:a="http://schemas.openxmlformats.org/drawingml/2006/main" xmlns:r="http://schemas.openxmlformats.org/officeDocument/2006/relationships" xmlns:p="http://schemas.openxmlformats.org/presentationml/2006/main">
+              <a:rPr cap="none">
+                <a:solidFill>
+                  <a:srgbClr val="000000">
+                    <a:alpha val="100000"/>
+                  </a:srgbClr>
+                </a:solidFill>
+                <a:latin typeface=""/>
+                <a:cs typeface=""/>
+              </a:rPr>
+              <a:t>Used well known standard data set </a:t>
+            </a:r>
+            <a:r xmlns:a="http://schemas.openxmlformats.org/drawingml/2006/main" xmlns:r="http://schemas.openxmlformats.org/officeDocument/2006/relationships" xmlns:p="http://schemas.openxmlformats.org/presentationml/2006/main">
+              <a:rPr cap="none">
+                <a:solidFill>
+                  <a:srgbClr val="000000">
+                    <a:alpha val="100000"/>
+                  </a:srgbClr>
+                </a:solidFill>
+                <a:latin typeface="Consolas"/>
+                <a:cs typeface="Consolas"/>
+              </a:rPr>
+              <a:t>mtcars</a:t>
+            </a:r>
+          </a:p>
+          <a:p xmlns:a="http://schemas.openxmlformats.org/drawingml/2006/main" xmlns:r="http://schemas.openxmlformats.org/officeDocument/2006/relationships" xmlns:p="http://schemas.openxmlformats.org/presentationml/2006/main">
+            <a:r xmlns:a="http://schemas.openxmlformats.org/drawingml/2006/main" xmlns:r="http://schemas.openxmlformats.org/officeDocument/2006/relationships" xmlns:p="http://schemas.openxmlformats.org/presentationml/2006/main">
+              <a:rPr cap="none">
+                <a:solidFill>
+                  <a:srgbClr val="000000">
+                    <a:alpha val="100000"/>
+                  </a:srgbClr>
+                </a:solidFill>
+                <a:latin typeface=""/>
+                <a:cs typeface=""/>
+              </a:rPr>
+              <a:t>Applied </a:t>
+            </a:r>
+            <a:r xmlns:a="http://schemas.openxmlformats.org/drawingml/2006/main" xmlns:r="http://schemas.openxmlformats.org/officeDocument/2006/relationships" xmlns:p="http://schemas.openxmlformats.org/presentationml/2006/main">
+              <a:rPr cap="none" b="1">
+                <a:solidFill>
+                  <a:srgbClr val="000000">
+                    <a:alpha val="100000"/>
+                  </a:srgbClr>
+                </a:solidFill>
+                <a:latin typeface="Consolas"/>
+                <a:cs typeface="Consolas"/>
+              </a:rPr>
+              <a:t>IQRoutputTable</a:t>
+            </a:r>
+            <a:r xmlns:a="http://schemas.openxmlformats.org/drawingml/2006/main" xmlns:r="http://schemas.openxmlformats.org/officeDocument/2006/relationships" xmlns:p="http://schemas.openxmlformats.org/presentationml/2006/main">
+              <a:rPr cap="none">
+                <a:solidFill>
+                  <a:srgbClr val="000000">
+                    <a:alpha val="100000"/>
+                  </a:srgbClr>
+                </a:solidFill>
+                <a:latin typeface=""/>
+                <a:cs typeface=""/>
+              </a:rPr>
+              <a:t> with arguments </a:t>
+            </a:r>
+            <a:r xmlns:a="http://schemas.openxmlformats.org/drawingml/2006/main" xmlns:r="http://schemas.openxmlformats.org/officeDocument/2006/relationships" xmlns:p="http://schemas.openxmlformats.org/presentationml/2006/main">
+              <a:rPr cap="none">
+                <a:solidFill>
+                  <a:srgbClr val="000000">
+                    <a:alpha val="100000"/>
+                  </a:srgbClr>
+                </a:solidFill>
+                <a:latin typeface="Consolas"/>
+                <a:cs typeface="Consolas"/>
+              </a:rPr>
+              <a:t>xfooter</a:t>
+            </a:r>
+            <a:r xmlns:a="http://schemas.openxmlformats.org/drawingml/2006/main" xmlns:r="http://schemas.openxmlformats.org/officeDocument/2006/relationships" xmlns:p="http://schemas.openxmlformats.org/presentationml/2006/main">
+              <a:rPr cap="none">
+                <a:solidFill>
+                  <a:srgbClr val="000000">
+                    <a:alpha val="100000"/>
+                  </a:srgbClr>
+                </a:solidFill>
+                <a:latin typeface=""/>
+                <a:cs typeface=""/>
+              </a:rPr>
+              <a:t> and </a:t>
+            </a:r>
+            <a:r xmlns:a="http://schemas.openxmlformats.org/drawingml/2006/main" xmlns:r="http://schemas.openxmlformats.org/officeDocument/2006/relationships" xmlns:p="http://schemas.openxmlformats.org/presentationml/2006/main">
+              <a:rPr cap="none">
+                <a:solidFill>
+                  <a:srgbClr val="000000">
+                    <a:alpha val="100000"/>
+                  </a:srgbClr>
+                </a:solidFill>
+                <a:latin typeface="Consolas"/>
+                <a:cs typeface="Consolas"/>
+              </a:rPr>
+              <a:t>filename</a:t>
+            </a:r>
+          </a:p>
+          <a:p xmlns:a="http://schemas.openxmlformats.org/drawingml/2006/main" xmlns:r="http://schemas.openxmlformats.org/officeDocument/2006/relationships" xmlns:p="http://schemas.openxmlformats.org/presentationml/2006/main">
+            <a:r xmlns:a="http://schemas.openxmlformats.org/drawingml/2006/main" xmlns:r="http://schemas.openxmlformats.org/officeDocument/2006/relationships" xmlns:p="http://schemas.openxmlformats.org/presentationml/2006/main">
+              <a:rPr cap="none">
+                <a:solidFill>
+                  <a:srgbClr val="000000">
+                    <a:alpha val="100000"/>
+                  </a:srgbClr>
+                </a:solidFill>
+                <a:latin typeface=""/>
+                <a:cs typeface=""/>
+              </a:rPr>
+              <a:t>Called </a:t>
+            </a:r>
+            <a:r xmlns:a="http://schemas.openxmlformats.org/drawingml/2006/main" xmlns:r="http://schemas.openxmlformats.org/officeDocument/2006/relationships" xmlns:p="http://schemas.openxmlformats.org/presentationml/2006/main">
+              <a:rPr cap="none">
+                <a:solidFill>
+                  <a:srgbClr val="000000">
+                    <a:alpha val="100000"/>
+                  </a:srgbClr>
+                </a:solidFill>
+                <a:latin typeface="Consolas"/>
+                <a:cs typeface="Consolas"/>
+              </a:rPr>
+              <a:t>IQRoutputPPTX</a:t>
+            </a:r>
+            <a:r xmlns:a="http://schemas.openxmlformats.org/drawingml/2006/main" xmlns:r="http://schemas.openxmlformats.org/officeDocument/2006/relationships" xmlns:p="http://schemas.openxmlformats.org/presentationml/2006/main">
+              <a:rPr cap="none">
+                <a:solidFill>
+                  <a:srgbClr val="000000">
+                    <a:alpha val="100000"/>
+                  </a:srgbClr>
+                </a:solidFill>
+                <a:latin typeface=""/>
+                <a:cs typeface=""/>
+              </a:rPr>
+              <a:t> with bullet point list and </a:t>
+            </a:r>
+            <a:r xmlns:a="http://schemas.openxmlformats.org/drawingml/2006/main" xmlns:r="http://schemas.openxmlformats.org/officeDocument/2006/relationships" xmlns:p="http://schemas.openxmlformats.org/presentationml/2006/main">
+              <a:rPr cap="none">
+                <a:solidFill>
+                  <a:srgbClr val="000000">
+                    <a:alpha val="100000"/>
+                  </a:srgbClr>
+                </a:solidFill>
+                <a:latin typeface="Consolas"/>
+                <a:cs typeface="Consolas"/>
+              </a:rPr>
+              <a:t>IQRoutputTable</a:t>
+            </a:r>
+            <a:r xmlns:a="http://schemas.openxmlformats.org/drawingml/2006/main" xmlns:r="http://schemas.openxmlformats.org/officeDocument/2006/relationships" xmlns:p="http://schemas.openxmlformats.org/presentationml/2006/main">
+              <a:rPr cap="none">
+                <a:solidFill>
+                  <a:srgbClr val="000000">
+                    <a:alpha val="100000"/>
+                  </a:srgbClr>
+                </a:solidFill>
+                <a:latin typeface=""/>
+                <a:cs typeface=""/>
+              </a:rPr>
+              <a:t> object</a:t>
             </a:r>
           </a:p>
         </p:txBody>
       </p:sp>
       <p:pic xmlns:a="http://schemas.openxmlformats.org/drawingml/2006/main" xmlns:r="http://schemas.openxmlformats.org/officeDocument/2006/relationships" xmlns:p="http://schemas.openxmlformats.org/presentationml/2006/main">
         <p:nvPicPr>
-          <p:cNvPr id="3" name="Content Placeholder 2"/>
+          <p:cNvPr id="4" name="Content Placeholder 3"/>
           <p:cNvPicPr/>
           <p:nvPr/>
         </p:nvPicPr>
@@ -7808,8 +6365,8 @@
         </p:blipFill>
         <p:spPr>
           <a:xfrm>
-            <a:off x="250521" y="1227551"/>
-            <a:ext cx="11649206" cy="4949412"/>
+            <a:off x="6172199" y="1205548"/>
+            <a:ext cx="5727527" cy="4446906"/>
           </a:xfrm>
           <a:prstGeom prst="rect">
             <a:avLst/>
@@ -7818,7 +6375,35 @@
       </p:pic>
       <p:sp xmlns:a="http://schemas.openxmlformats.org/drawingml/2006/main" xmlns:r="http://schemas.openxmlformats.org/officeDocument/2006/relationships" xmlns:p="http://schemas.openxmlformats.org/presentationml/2006/main">
         <p:nvSpPr>
-          <p:cNvPr id="4" name="Footer Placeholder 4"/>
+          <p:cNvPr id="5" name="Text Placeholder 2"/>
+          <p:cNvSpPr>
+            <a:spLocks noGrp="1"/>
+          </p:cNvSpPr>
+          <p:nvPr>
+            <p:ph type="body" sz="quarter" idx="13"/>
+          </p:nvPr>
+        </p:nvSpPr>
+        <p:spPr>
+          <a:xfrm rot="-0">
+            <a:off x="6172201" y="5731330"/>
+            <a:ext cx="5727526" cy="445634"/>
+          </a:xfrm>
+        </p:spPr>
+        <p:txBody>
+          <a:bodyPr/>
+          <a:lstStyle/>
+          <a:p>
+            <a:r>
+              <a:rPr/>
+              <a:t>See R datasets::mtcars
+File: ../Output/01_test/cars_table.txt</a:t>
+            </a:r>
+          </a:p>
+        </p:txBody>
+      </p:sp>
+      <p:sp xmlns:a="http://schemas.openxmlformats.org/drawingml/2006/main" xmlns:r="http://schemas.openxmlformats.org/officeDocument/2006/relationships" xmlns:p="http://schemas.openxmlformats.org/presentationml/2006/main">
+        <p:nvSpPr>
+          <p:cNvPr id="6" name="Footer Placeholder 5"/>
           <p:cNvSpPr>
             <a:spLocks noGrp="1"/>
           </p:cNvSpPr>
@@ -7838,7 +6423,7 @@
           <a:p>
             <a:r>
               <a:rPr/>
-              <a:t>IQSlidedeck.R | Date: 2020-04-23 12:35:52</a:t>
+              <a:t>IQSlidedeck_IQRobjects.R | Date: 2020-05-01 21:29:16</a:t>
             </a:r>
           </a:p>
         </p:txBody>
@@ -7890,7 +6475,7 @@
           <a:p>
             <a:r>
               <a:rPr/>
-              <a:t>Plot from pdf file</a:t>
+              <a:t>Plotting white noise</a:t>
             </a:r>
           </a:p>
         </p:txBody>
@@ -7910,7 +6495,7 @@
         <p:spPr>
           <a:xfrm>
             <a:off x="250521" y="1227551"/>
-            <a:ext cx="11649206" cy="4949412"/>
+            <a:ext cx="11649206" cy="4479285"/>
           </a:xfrm>
           <a:prstGeom prst="rect">
             <a:avLst/>
@@ -7919,7 +6504,34 @@
       </p:pic>
       <p:sp xmlns:a="http://schemas.openxmlformats.org/drawingml/2006/main" xmlns:r="http://schemas.openxmlformats.org/officeDocument/2006/relationships" xmlns:p="http://schemas.openxmlformats.org/presentationml/2006/main">
         <p:nvSpPr>
-          <p:cNvPr id="4" name="Footer Placeholder 4"/>
+          <p:cNvPr id="4" name="Text Placeholder 8"/>
+          <p:cNvSpPr>
+            <a:spLocks noGrp="1"/>
+          </p:cNvSpPr>
+          <p:nvPr>
+            <p:ph type="body" sz="quarter" idx="13"/>
+          </p:nvPr>
+        </p:nvSpPr>
+        <p:spPr>
+          <a:xfrm rot="-0">
+            <a:off x="250521" y="5816374"/>
+            <a:ext cx="11649206" cy="365125"/>
+          </a:xfrm>
+        </p:spPr>
+        <p:txBody>
+          <a:bodyPr/>
+          <a:lstStyle/>
+          <a:p>
+            <a:r>
+              <a:rPr/>
+              <a:t>File: ../Output/01_test/subset_normal_distributions.pdf</a:t>
+            </a:r>
+          </a:p>
+        </p:txBody>
+      </p:sp>
+      <p:sp xmlns:a="http://schemas.openxmlformats.org/drawingml/2006/main" xmlns:r="http://schemas.openxmlformats.org/officeDocument/2006/relationships" xmlns:p="http://schemas.openxmlformats.org/presentationml/2006/main">
+        <p:nvSpPr>
+          <p:cNvPr id="5" name="Footer Placeholder 4"/>
           <p:cNvSpPr>
             <a:spLocks noGrp="1"/>
           </p:cNvSpPr>
@@ -7939,160 +6551,7 @@
           <a:p>
             <a:r>
               <a:rPr/>
-              <a:t>IQSlidedeck.R | Date: 2020-04-23 12:35:53</a:t>
-            </a:r>
-          </a:p>
-        </p:txBody>
-      </p:sp>
-    </p:spTree>
-  </p:cSld>
-  <p:clrMapOvr>
-    <a:masterClrMapping/>
-  </p:clrMapOvr>
-</p:sld>
-</file>
-
-<file path=ppt/slides/slide8.xml><?xml version="1.0" encoding="utf-8"?>
-<p:sld xmlns:a="http://schemas.openxmlformats.org/drawingml/2006/main" xmlns:r="http://schemas.openxmlformats.org/officeDocument/2006/relationships" xmlns:p="http://schemas.openxmlformats.org/presentationml/2006/main">
-  <p:cSld>
-    <p:spTree>
-      <p:nvGrpSpPr>
-        <p:cNvPr id="1" name=""/>
-        <p:cNvGrpSpPr/>
-        <p:nvPr/>
-      </p:nvGrpSpPr>
-      <p:grpSpPr>
-        <a:xfrm>
-          <a:off x="0" y="0"/>
-          <a:ext cx="0" cy="0"/>
-          <a:chOff x="0" y="0"/>
-          <a:chExt cx="0" cy="0"/>
-        </a:xfrm>
-      </p:grpSpPr>
-      <p:sp xmlns:a="http://schemas.openxmlformats.org/drawingml/2006/main" xmlns:r="http://schemas.openxmlformats.org/officeDocument/2006/relationships" xmlns:p="http://schemas.openxmlformats.org/presentationml/2006/main">
-        <p:nvSpPr>
-          <p:cNvPr id="2" name="Title 1"/>
-          <p:cNvSpPr>
-            <a:spLocks noGrp="1"/>
-          </p:cNvSpPr>
-          <p:nvPr>
-            <p:ph type="title"/>
-          </p:nvPr>
-        </p:nvSpPr>
-        <p:spPr>
-          <a:xfrm rot="-0">
-            <a:off x="0" y="0"/>
-            <a:ext cx="12192000" cy="1013635"/>
-          </a:xfrm>
-        </p:spPr>
-        <p:txBody>
-          <a:bodyPr/>
-          <a:lstStyle/>
-          <a:p>
-            <a:r>
-              <a:rPr/>
-              <a:t>Plot from ggplot object</a:t>
-            </a:r>
-          </a:p>
-        </p:txBody>
-      </p:sp>
-      <p:pic xmlns:a="http://schemas.openxmlformats.org/drawingml/2006/main" xmlns:r="http://schemas.openxmlformats.org/officeDocument/2006/relationships" xmlns:p="http://schemas.openxmlformats.org/presentationml/2006/main">
-        <p:nvPicPr>
-          <p:cNvPr id="3" name="Content Placeholder 2"/>
-          <p:cNvPicPr/>
-          <p:nvPr/>
-        </p:nvPicPr>
-        <p:blipFill>
-          <a:blip cstate="print" r:embed="rId2"/>
-          <a:stretch>
-            <a:fillRect/>
-          </a:stretch>
-        </p:blipFill>
-        <p:spPr>
-          <a:xfrm>
-            <a:off x="250521" y="1227551"/>
-            <a:ext cx="11649206" cy="4949412"/>
-          </a:xfrm>
-          <a:prstGeom prst="rect">
-            <a:avLst/>
-          </a:prstGeom>
-        </p:spPr>
-      </p:pic>
-      <p:sp xmlns:a="http://schemas.openxmlformats.org/drawingml/2006/main" xmlns:r="http://schemas.openxmlformats.org/officeDocument/2006/relationships" xmlns:p="http://schemas.openxmlformats.org/presentationml/2006/main">
-        <p:nvSpPr>
-          <p:cNvPr id="4" name="Footer Placeholder 4"/>
-          <p:cNvSpPr>
-            <a:spLocks noGrp="1"/>
-          </p:cNvSpPr>
-          <p:nvPr>
-            <p:ph type="ftr" sz="quarter" idx="11"/>
-          </p:nvPr>
-        </p:nvSpPr>
-        <p:spPr>
-          <a:xfrm rot="-0">
-            <a:off x="3144033" y="6356350"/>
-            <a:ext cx="5842763" cy="365125"/>
-          </a:xfrm>
-        </p:spPr>
-        <p:txBody>
-          <a:bodyPr/>
-          <a:lstStyle/>
-          <a:p>
-            <a:r>
-              <a:rPr/>
-              <a:t>IQSlidedeck.R | Date: 2020-04-23 12:35:59</a:t>
-            </a:r>
-          </a:p>
-        </p:txBody>
-      </p:sp>
-    </p:spTree>
-  </p:cSld>
-  <p:clrMapOvr>
-    <a:masterClrMapping/>
-  </p:clrMapOvr>
-</p:sld>
-</file>
-
-<file path=ppt/slides/slide9.xml><?xml version="1.0" encoding="utf-8"?>
-<p:sld xmlns:a="http://schemas.openxmlformats.org/drawingml/2006/main" xmlns:r="http://schemas.openxmlformats.org/officeDocument/2006/relationships" xmlns:p="http://schemas.openxmlformats.org/presentationml/2006/main">
-  <p:cSld>
-    <p:spTree>
-      <p:nvGrpSpPr>
-        <p:cNvPr id="1" name=""/>
-        <p:cNvGrpSpPr/>
-        <p:nvPr/>
-      </p:nvGrpSpPr>
-      <p:grpSpPr>
-        <a:xfrm>
-          <a:off x="0" y="0"/>
-          <a:ext cx="0" cy="0"/>
-          <a:chOff x="0" y="0"/>
-          <a:chExt cx="0" cy="0"/>
-        </a:xfrm>
-      </p:grpSpPr>
-      <p:sp xmlns:a="http://schemas.openxmlformats.org/drawingml/2006/main" xmlns:r="http://schemas.openxmlformats.org/officeDocument/2006/relationships" xmlns:p="http://schemas.openxmlformats.org/presentationml/2006/main">
-        <p:nvSpPr>
-          <p:cNvPr id="2" name="Title 1"/>
-          <p:cNvSpPr>
-            <a:spLocks noGrp="1"/>
-          </p:cNvSpPr>
-          <p:nvPr>
-            <p:ph type="title"/>
-          </p:nvPr>
-        </p:nvSpPr>
-        <p:spPr>
-          <a:xfrm rot="-0">
-            <a:off x="0" y="2212521"/>
-            <a:ext cx="8580329" cy="1506735"/>
-          </a:xfrm>
-        </p:spPr>
-        <p:txBody>
-          <a:bodyPr/>
-          <a:lstStyle/>
-          <a:p>
-            <a:r>
-              <a:rPr/>
-              <a:t>Slides with tables</a:t>
+              <a:t>IQSlidedeck_IQRobjects.R | Date: 2020-05-01 21:29:18</a:t>
             </a:r>
           </a:p>
         </p:txBody>

--- a/tests/testresults/script_IQSlidedeck_IQobjects.pptx
+++ b/tests/testresults/script_IQSlidedeck_IQobjects.pptx
@@ -5013,7 +5013,7 @@
               <a:rPr/>
               <a:t>IQR Objects
 Daniel Kaschek, IntiQuan
-2020-10-21</a:t>
+2020-10-25</a:t>
             </a:r>
           </a:p>
         </p:txBody>
@@ -5151,7 +5151,7 @@
           <a:p>
             <a:r>
               <a:rPr/>
-              <a:t>script_IQSlidedeck.R | Date: 2020-10-21 14:24:55</a:t>
+              <a:t>script_IQSlidedeck.R | Date: 2020-10-25 05:59:54</a:t>
             </a:r>
           </a:p>
         </p:txBody>
@@ -5487,7 +5487,7 @@
           <a:p>
             <a:r>
               <a:rPr/>
-              <a:t>script_IQSlidedeck.R | Date: 2020-10-21 14:24:56</a:t>
+              <a:t>script_IQSlidedeck.R | Date: 2020-10-25 05:59:57</a:t>
             </a:r>
           </a:p>
         </p:txBody>
@@ -5823,7 +5823,7 @@
           <a:p>
             <a:r>
               <a:rPr/>
-              <a:t>script_IQSlidedeck.R | Date: 2020-10-21 14:24:57</a:t>
+              <a:t>script_IQSlidedeck.R | Date: 2020-10-25 05:59:59</a:t>
             </a:r>
           </a:p>
         </p:txBody>
@@ -6229,7 +6229,7 @@
           <a:p>
             <a:r>
               <a:rPr/>
-              <a:t>IQSlidedeck_IQRobjects.R | Date: 2020-10-21 14:25:18</a:t>
+              <a:t>IQSlidedeck_IQRobjects.R | Date: 2020-10-25 06:00:21</a:t>
             </a:r>
           </a:p>
         </p:txBody>
@@ -6583,7 +6583,7 @@
           <a:p>
             <a:r>
               <a:rPr/>
-              <a:t>IQSlidedeck_IQRobjects.R | Date: 2020-10-21 14:25:19</a:t>
+              <a:t>IQSlidedeck_IQRobjects.R | Date: 2020-10-25 06:00:21</a:t>
             </a:r>
           </a:p>
         </p:txBody>
@@ -6937,7 +6937,7 @@
           <a:p>
             <a:r>
               <a:rPr/>
-              <a:t>IQSlidedeck_IQRobjects.R | Date: 2020-10-21 14:25:19</a:t>
+              <a:t>IQSlidedeck_IQRobjects.R | Date: 2020-10-25 06:00:21</a:t>
             </a:r>
           </a:p>
         </p:txBody>
@@ -7256,7 +7256,7 @@
           <a:p>
             <a:r>
               <a:rPr/>
-              <a:t>IQSlidedeck_IQRobjects.R | Date: 2020-10-21 14:25:20</a:t>
+              <a:t>IQSlidedeck_IQRobjects.R | Date: 2020-10-25 06:00:23</a:t>
             </a:r>
           </a:p>
         </p:txBody>
@@ -7388,7 +7388,7 @@
           <a:p>
             <a:r>
               <a:rPr/>
-              <a:t>IQSlidedeck_IQRobjects.R | Date: 2020-10-21 14:25:20</a:t>
+              <a:t>IQSlidedeck_IQRobjects.R | Date: 2020-10-25 06:00:24</a:t>
             </a:r>
           </a:p>
         </p:txBody>
@@ -7552,7 +7552,7 @@
           <a:p>
             <a:r>
               <a:rPr/>
-              <a:t>script_IQSlidedeck.R | Date: 2020-10-21 14:24:54</a:t>
+              <a:t>script_IQSlidedeck.R | Date: 2020-10-25 05:59:52</a:t>
             </a:r>
           </a:p>
         </p:txBody>
@@ -7769,7 +7769,7 @@
           <a:p>
             <a:r>
               <a:rPr/>
-              <a:t>script_IQSlidedeck.R | Date: 2020-10-21 14:24:54</a:t>
+              <a:t>script_IQSlidedeck.R | Date: 2020-10-25 05:59:52</a:t>
             </a:r>
           </a:p>
         </p:txBody>
@@ -7874,7 +7874,7 @@
           <a:p>
             <a:r>
               <a:rPr/>
-              <a:t>script_IQSlidedeck.R | Date: 2020-10-21 14:24:57</a:t>
+              <a:t>script_IQSlidedeck.R | Date: 2020-10-25 05:59:59</a:t>
             </a:r>
           </a:p>
         </p:txBody>
@@ -7979,7 +7979,7 @@
           <a:p>
             <a:r>
               <a:rPr/>
-              <a:t>script_IQSlidedeck.R | Date: 2020-10-21 14:24:58</a:t>
+              <a:t>script_IQSlidedeck.R | Date: 2020-10-25 06:00:00</a:t>
             </a:r>
           </a:p>
         </p:txBody>
@@ -8084,7 +8084,7 @@
           <a:p>
             <a:r>
               <a:rPr/>
-              <a:t>script_IQSlidedeck.R | Date: 2020-10-21 14:25:03</a:t>
+              <a:t>script_IQSlidedeck.R | Date: 2020-10-25 06:00:05</a:t>
             </a:r>
           </a:p>
         </p:txBody>
